--- a/Big Data MISD + MLOps.pptx
+++ b/Big Data MISD + MLOps.pptx
@@ -30,9 +30,7 @@
     <p:sldId id="279" r:id="rId24"/>
     <p:sldId id="280" r:id="rId25"/>
     <p:sldId id="281" r:id="rId26"/>
-    <p:sldId id="282" r:id="rId27"/>
-    <p:sldId id="283" r:id="rId28"/>
-    <p:sldId id="284" r:id="rId29"/>
+    <p:sldId id="284" r:id="rId27"/>
   </p:sldIdLst>
   <p:sldSz cx="12192000" cy="6858000"/>
   <p:notesSz cx="12192000" cy="6858000"/>
@@ -34714,3805 +34712,6 @@
           <a:chExt cx="0" cy="0"/>
         </a:xfrm>
       </p:grpSpPr>
-      <p:pic>
-        <p:nvPicPr>
-          <p:cNvPr id="2" name="object 2"/>
-          <p:cNvPicPr/>
-          <p:nvPr/>
-        </p:nvPicPr>
-        <p:blipFill>
-          <a:blip r:embed="rId2" cstate="print"/>
-          <a:stretch>
-            <a:fillRect/>
-          </a:stretch>
-        </p:blipFill>
-        <p:spPr>
-          <a:xfrm>
-            <a:off x="243840" y="1656079"/>
-            <a:ext cx="7282180" cy="4249420"/>
-          </a:xfrm>
-          <a:prstGeom prst="rect">
-            <a:avLst/>
-          </a:prstGeom>
-        </p:spPr>
-      </p:pic>
-      <p:sp>
-        <p:nvSpPr>
-          <p:cNvPr id="3" name="object 3"/>
-          <p:cNvSpPr txBox="1">
-            <a:spLocks noGrp="1"/>
-          </p:cNvSpPr>
-          <p:nvPr>
-            <p:ph type="title"/>
-          </p:nvPr>
-        </p:nvSpPr>
-        <p:spPr>
-          <a:xfrm>
-            <a:off x="4657725" y="217106"/>
-            <a:ext cx="2580640" cy="559435"/>
-          </a:xfrm>
-          <a:prstGeom prst="rect">
-            <a:avLst/>
-          </a:prstGeom>
-        </p:spPr>
-        <p:txBody>
-          <a:bodyPr vert="horz" wrap="square" lIns="0" tIns="12700" rIns="0" bIns="0" rtlCol="0">
-            <a:spAutoFit/>
-          </a:bodyPr>
-          <a:lstStyle/>
-          <a:p>
-            <a:pPr marL="12700">
-              <a:lnSpc>
-                <a:spcPct val="100000"/>
-              </a:lnSpc>
-              <a:spcBef>
-                <a:spcPts val="100"/>
-              </a:spcBef>
-            </a:pPr>
-            <a:r>
-              <a:rPr sz="3500" spc="-120" dirty="0">
-                <a:solidFill>
-                  <a:srgbClr val="0F2225"/>
-                </a:solidFill>
-                <a:latin typeface="Calibri"/>
-                <a:cs typeface="Calibri"/>
-              </a:rPr>
-              <a:t>M</a:t>
-            </a:r>
-            <a:r>
-              <a:rPr sz="3500" spc="-195" dirty="0">
-                <a:solidFill>
-                  <a:srgbClr val="0F2225"/>
-                </a:solidFill>
-                <a:latin typeface="Calibri"/>
-                <a:cs typeface="Calibri"/>
-              </a:rPr>
-              <a:t>L</a:t>
-            </a:r>
-            <a:r>
-              <a:rPr sz="3500" spc="-120" dirty="0">
-                <a:solidFill>
-                  <a:srgbClr val="0F2225"/>
-                </a:solidFill>
-                <a:latin typeface="Calibri"/>
-                <a:cs typeface="Calibri"/>
-              </a:rPr>
-              <a:t>O</a:t>
-            </a:r>
-            <a:r>
-              <a:rPr sz="3500" spc="-130" dirty="0">
-                <a:solidFill>
-                  <a:srgbClr val="0F2225"/>
-                </a:solidFill>
-                <a:latin typeface="Calibri"/>
-                <a:cs typeface="Calibri"/>
-              </a:rPr>
-              <a:t>P</a:t>
-            </a:r>
-            <a:r>
-              <a:rPr sz="3500" dirty="0">
-                <a:solidFill>
-                  <a:srgbClr val="0F2225"/>
-                </a:solidFill>
-                <a:latin typeface="Calibri"/>
-                <a:cs typeface="Calibri"/>
-              </a:rPr>
-              <a:t>S</a:t>
-            </a:r>
-            <a:r>
-              <a:rPr sz="3500" spc="-240" dirty="0">
-                <a:solidFill>
-                  <a:srgbClr val="0F2225"/>
-                </a:solidFill>
-                <a:latin typeface="Calibri"/>
-                <a:cs typeface="Calibri"/>
-              </a:rPr>
-              <a:t> </a:t>
-            </a:r>
-            <a:r>
-              <a:rPr sz="3500" dirty="0">
-                <a:solidFill>
-                  <a:srgbClr val="0F2225"/>
-                </a:solidFill>
-                <a:latin typeface="Calibri"/>
-                <a:cs typeface="Calibri"/>
-              </a:rPr>
-              <a:t>–</a:t>
-            </a:r>
-            <a:r>
-              <a:rPr sz="3500" spc="-260" dirty="0">
-                <a:solidFill>
-                  <a:srgbClr val="0F2225"/>
-                </a:solidFill>
-                <a:latin typeface="Calibri"/>
-                <a:cs typeface="Calibri"/>
-              </a:rPr>
-              <a:t> </a:t>
-            </a:r>
-            <a:r>
-              <a:rPr sz="3500" spc="-130" dirty="0">
-                <a:solidFill>
-                  <a:srgbClr val="0F2225"/>
-                </a:solidFill>
-                <a:latin typeface="Calibri"/>
-                <a:cs typeface="Calibri"/>
-              </a:rPr>
-              <a:t>C</a:t>
-            </a:r>
-            <a:r>
-              <a:rPr sz="3500" spc="-125" dirty="0">
-                <a:solidFill>
-                  <a:srgbClr val="0F2225"/>
-                </a:solidFill>
-                <a:latin typeface="Calibri"/>
-                <a:cs typeface="Calibri"/>
-              </a:rPr>
-              <a:t>I</a:t>
-            </a:r>
-            <a:r>
-              <a:rPr sz="3500" spc="-114" dirty="0">
-                <a:solidFill>
-                  <a:srgbClr val="0F2225"/>
-                </a:solidFill>
-                <a:latin typeface="Calibri"/>
-                <a:cs typeface="Calibri"/>
-              </a:rPr>
-              <a:t>/</a:t>
-            </a:r>
-            <a:r>
-              <a:rPr sz="3500" spc="-130" dirty="0">
-                <a:solidFill>
-                  <a:srgbClr val="0F2225"/>
-                </a:solidFill>
-                <a:latin typeface="Calibri"/>
-                <a:cs typeface="Calibri"/>
-              </a:rPr>
-              <a:t>C</a:t>
-            </a:r>
-            <a:r>
-              <a:rPr sz="3500" dirty="0">
-                <a:solidFill>
-                  <a:srgbClr val="0F2225"/>
-                </a:solidFill>
-                <a:latin typeface="Calibri"/>
-                <a:cs typeface="Calibri"/>
-              </a:rPr>
-              <a:t>D</a:t>
-            </a:r>
-            <a:endParaRPr sz="3500">
-              <a:latin typeface="Calibri"/>
-              <a:cs typeface="Calibri"/>
-            </a:endParaRPr>
-          </a:p>
-        </p:txBody>
-      </p:sp>
-      <p:sp>
-        <p:nvSpPr>
-          <p:cNvPr id="4" name="object 4"/>
-          <p:cNvSpPr/>
-          <p:nvPr/>
-        </p:nvSpPr>
-        <p:spPr>
-          <a:xfrm>
-            <a:off x="0" y="1137919"/>
-            <a:ext cx="12192000" cy="0"/>
-          </a:xfrm>
-          <a:custGeom>
-            <a:avLst/>
-            <a:gdLst/>
-            <a:ahLst/>
-            <a:cxnLst/>
-            <a:rect l="l" t="t" r="r" b="b"/>
-            <a:pathLst>
-              <a:path w="12192000">
-                <a:moveTo>
-                  <a:pt x="0" y="0"/>
-                </a:moveTo>
-                <a:lnTo>
-                  <a:pt x="12192000" y="0"/>
-                </a:lnTo>
-              </a:path>
-            </a:pathLst>
-          </a:custGeom>
-          <a:ln w="19050">
-            <a:solidFill>
-              <a:srgbClr val="318E9F"/>
-            </a:solidFill>
-          </a:ln>
-        </p:spPr>
-        <p:txBody>
-          <a:bodyPr wrap="square" lIns="0" tIns="0" rIns="0" bIns="0" rtlCol="0"/>
-          <a:lstStyle/>
-          <a:p>
-            <a:endParaRPr/>
-          </a:p>
-        </p:txBody>
-      </p:sp>
-      <p:grpSp>
-        <p:nvGrpSpPr>
-          <p:cNvPr id="5" name="object 5"/>
-          <p:cNvGrpSpPr/>
-          <p:nvPr/>
-        </p:nvGrpSpPr>
-        <p:grpSpPr>
-          <a:xfrm>
-            <a:off x="8148637" y="1247457"/>
-            <a:ext cx="3804285" cy="5577205"/>
-            <a:chOff x="8148637" y="1247457"/>
-            <a:chExt cx="3804285" cy="5577205"/>
-          </a:xfrm>
-        </p:grpSpPr>
-        <p:pic>
-          <p:nvPicPr>
-            <p:cNvPr id="6" name="object 6"/>
-            <p:cNvPicPr/>
-            <p:nvPr/>
-          </p:nvPicPr>
-          <p:blipFill>
-            <a:blip r:embed="rId3" cstate="print"/>
-            <a:stretch>
-              <a:fillRect/>
-            </a:stretch>
-          </p:blipFill>
-          <p:spPr>
-            <a:xfrm>
-              <a:off x="8153400" y="1252219"/>
-              <a:ext cx="3794759" cy="5567678"/>
-            </a:xfrm>
-            <a:prstGeom prst="rect">
-              <a:avLst/>
-            </a:prstGeom>
-          </p:spPr>
-        </p:pic>
-        <p:sp>
-          <p:nvSpPr>
-            <p:cNvPr id="7" name="object 7"/>
-            <p:cNvSpPr/>
-            <p:nvPr/>
-          </p:nvSpPr>
-          <p:spPr>
-            <a:xfrm>
-              <a:off x="8153400" y="1252219"/>
-              <a:ext cx="3794760" cy="5567680"/>
-            </a:xfrm>
-            <a:custGeom>
-              <a:avLst/>
-              <a:gdLst/>
-              <a:ahLst/>
-              <a:cxnLst/>
-              <a:rect l="l" t="t" r="r" b="b"/>
-              <a:pathLst>
-                <a:path w="3794759" h="5567680">
-                  <a:moveTo>
-                    <a:pt x="0" y="632459"/>
-                  </a:moveTo>
-                  <a:lnTo>
-                    <a:pt x="1735" y="585264"/>
-                  </a:lnTo>
-                  <a:lnTo>
-                    <a:pt x="6858" y="539010"/>
-                  </a:lnTo>
-                  <a:lnTo>
-                    <a:pt x="15248" y="493819"/>
-                  </a:lnTo>
-                  <a:lnTo>
-                    <a:pt x="26781" y="449814"/>
-                  </a:lnTo>
-                  <a:lnTo>
-                    <a:pt x="41336" y="407117"/>
-                  </a:lnTo>
-                  <a:lnTo>
-                    <a:pt x="58790" y="365851"/>
-                  </a:lnTo>
-                  <a:lnTo>
-                    <a:pt x="79020" y="326138"/>
-                  </a:lnTo>
-                  <a:lnTo>
-                    <a:pt x="101905" y="288100"/>
-                  </a:lnTo>
-                  <a:lnTo>
-                    <a:pt x="127321" y="251859"/>
-                  </a:lnTo>
-                  <a:lnTo>
-                    <a:pt x="155148" y="217539"/>
-                  </a:lnTo>
-                  <a:lnTo>
-                    <a:pt x="185261" y="185261"/>
-                  </a:lnTo>
-                  <a:lnTo>
-                    <a:pt x="217539" y="155148"/>
-                  </a:lnTo>
-                  <a:lnTo>
-                    <a:pt x="251859" y="127321"/>
-                  </a:lnTo>
-                  <a:lnTo>
-                    <a:pt x="288100" y="101905"/>
-                  </a:lnTo>
-                  <a:lnTo>
-                    <a:pt x="326138" y="79020"/>
-                  </a:lnTo>
-                  <a:lnTo>
-                    <a:pt x="365851" y="58790"/>
-                  </a:lnTo>
-                  <a:lnTo>
-                    <a:pt x="407117" y="41336"/>
-                  </a:lnTo>
-                  <a:lnTo>
-                    <a:pt x="449814" y="26781"/>
-                  </a:lnTo>
-                  <a:lnTo>
-                    <a:pt x="493819" y="15248"/>
-                  </a:lnTo>
-                  <a:lnTo>
-                    <a:pt x="539010" y="6858"/>
-                  </a:lnTo>
-                  <a:lnTo>
-                    <a:pt x="585264" y="1735"/>
-                  </a:lnTo>
-                  <a:lnTo>
-                    <a:pt x="632459" y="0"/>
-                  </a:lnTo>
-                  <a:lnTo>
-                    <a:pt x="3162300" y="0"/>
-                  </a:lnTo>
-                  <a:lnTo>
-                    <a:pt x="3209495" y="1735"/>
-                  </a:lnTo>
-                  <a:lnTo>
-                    <a:pt x="3255749" y="6858"/>
-                  </a:lnTo>
-                  <a:lnTo>
-                    <a:pt x="3300940" y="15248"/>
-                  </a:lnTo>
-                  <a:lnTo>
-                    <a:pt x="3344945" y="26781"/>
-                  </a:lnTo>
-                  <a:lnTo>
-                    <a:pt x="3387642" y="41336"/>
-                  </a:lnTo>
-                  <a:lnTo>
-                    <a:pt x="3428908" y="58790"/>
-                  </a:lnTo>
-                  <a:lnTo>
-                    <a:pt x="3468621" y="79020"/>
-                  </a:lnTo>
-                  <a:lnTo>
-                    <a:pt x="3506659" y="101905"/>
-                  </a:lnTo>
-                  <a:lnTo>
-                    <a:pt x="3542900" y="127321"/>
-                  </a:lnTo>
-                  <a:lnTo>
-                    <a:pt x="3577220" y="155148"/>
-                  </a:lnTo>
-                  <a:lnTo>
-                    <a:pt x="3609498" y="185261"/>
-                  </a:lnTo>
-                  <a:lnTo>
-                    <a:pt x="3639611" y="217539"/>
-                  </a:lnTo>
-                  <a:lnTo>
-                    <a:pt x="3667438" y="251859"/>
-                  </a:lnTo>
-                  <a:lnTo>
-                    <a:pt x="3692854" y="288100"/>
-                  </a:lnTo>
-                  <a:lnTo>
-                    <a:pt x="3715739" y="326138"/>
-                  </a:lnTo>
-                  <a:lnTo>
-                    <a:pt x="3735969" y="365851"/>
-                  </a:lnTo>
-                  <a:lnTo>
-                    <a:pt x="3753423" y="407117"/>
-                  </a:lnTo>
-                  <a:lnTo>
-                    <a:pt x="3767978" y="449814"/>
-                  </a:lnTo>
-                  <a:lnTo>
-                    <a:pt x="3779511" y="493819"/>
-                  </a:lnTo>
-                  <a:lnTo>
-                    <a:pt x="3787901" y="539010"/>
-                  </a:lnTo>
-                  <a:lnTo>
-                    <a:pt x="3793024" y="585264"/>
-                  </a:lnTo>
-                  <a:lnTo>
-                    <a:pt x="3794759" y="632459"/>
-                  </a:lnTo>
-                  <a:lnTo>
-                    <a:pt x="3794759" y="4935207"/>
-                  </a:lnTo>
-                  <a:lnTo>
-                    <a:pt x="3793024" y="4982408"/>
-                  </a:lnTo>
-                  <a:lnTo>
-                    <a:pt x="3787901" y="5028668"/>
-                  </a:lnTo>
-                  <a:lnTo>
-                    <a:pt x="3779511" y="5073863"/>
-                  </a:lnTo>
-                  <a:lnTo>
-                    <a:pt x="3767978" y="5117872"/>
-                  </a:lnTo>
-                  <a:lnTo>
-                    <a:pt x="3753423" y="5160571"/>
-                  </a:lnTo>
-                  <a:lnTo>
-                    <a:pt x="3735969" y="5201839"/>
-                  </a:lnTo>
-                  <a:lnTo>
-                    <a:pt x="3715739" y="5241554"/>
-                  </a:lnTo>
-                  <a:lnTo>
-                    <a:pt x="3692854" y="5279593"/>
-                  </a:lnTo>
-                  <a:lnTo>
-                    <a:pt x="3667438" y="5315833"/>
-                  </a:lnTo>
-                  <a:lnTo>
-                    <a:pt x="3639611" y="5350153"/>
-                  </a:lnTo>
-                  <a:lnTo>
-                    <a:pt x="3609498" y="5382430"/>
-                  </a:lnTo>
-                  <a:lnTo>
-                    <a:pt x="3577220" y="5412542"/>
-                  </a:lnTo>
-                  <a:lnTo>
-                    <a:pt x="3542900" y="5440367"/>
-                  </a:lnTo>
-                  <a:lnTo>
-                    <a:pt x="3506659" y="5465782"/>
-                  </a:lnTo>
-                  <a:lnTo>
-                    <a:pt x="3468621" y="5488665"/>
-                  </a:lnTo>
-                  <a:lnTo>
-                    <a:pt x="3428908" y="5508894"/>
-                  </a:lnTo>
-                  <a:lnTo>
-                    <a:pt x="3387642" y="5526346"/>
-                  </a:lnTo>
-                  <a:lnTo>
-                    <a:pt x="3344945" y="5540900"/>
-                  </a:lnTo>
-                  <a:lnTo>
-                    <a:pt x="3300940" y="5552432"/>
-                  </a:lnTo>
-                  <a:lnTo>
-                    <a:pt x="3255749" y="5560821"/>
-                  </a:lnTo>
-                  <a:lnTo>
-                    <a:pt x="3209495" y="5565943"/>
-                  </a:lnTo>
-                  <a:lnTo>
-                    <a:pt x="3162300" y="5567678"/>
-                  </a:lnTo>
-                  <a:lnTo>
-                    <a:pt x="632459" y="5567678"/>
-                  </a:lnTo>
-                  <a:lnTo>
-                    <a:pt x="585264" y="5565943"/>
-                  </a:lnTo>
-                  <a:lnTo>
-                    <a:pt x="539010" y="5560821"/>
-                  </a:lnTo>
-                  <a:lnTo>
-                    <a:pt x="493819" y="5552432"/>
-                  </a:lnTo>
-                  <a:lnTo>
-                    <a:pt x="449814" y="5540900"/>
-                  </a:lnTo>
-                  <a:lnTo>
-                    <a:pt x="407117" y="5526346"/>
-                  </a:lnTo>
-                  <a:lnTo>
-                    <a:pt x="365851" y="5508894"/>
-                  </a:lnTo>
-                  <a:lnTo>
-                    <a:pt x="326138" y="5488665"/>
-                  </a:lnTo>
-                  <a:lnTo>
-                    <a:pt x="288100" y="5465782"/>
-                  </a:lnTo>
-                  <a:lnTo>
-                    <a:pt x="251859" y="5440367"/>
-                  </a:lnTo>
-                  <a:lnTo>
-                    <a:pt x="217539" y="5412542"/>
-                  </a:lnTo>
-                  <a:lnTo>
-                    <a:pt x="185261" y="5382430"/>
-                  </a:lnTo>
-                  <a:lnTo>
-                    <a:pt x="155148" y="5350153"/>
-                  </a:lnTo>
-                  <a:lnTo>
-                    <a:pt x="127321" y="5315833"/>
-                  </a:lnTo>
-                  <a:lnTo>
-                    <a:pt x="101905" y="5279593"/>
-                  </a:lnTo>
-                  <a:lnTo>
-                    <a:pt x="79020" y="5241554"/>
-                  </a:lnTo>
-                  <a:lnTo>
-                    <a:pt x="58790" y="5201839"/>
-                  </a:lnTo>
-                  <a:lnTo>
-                    <a:pt x="41336" y="5160571"/>
-                  </a:lnTo>
-                  <a:lnTo>
-                    <a:pt x="26781" y="5117872"/>
-                  </a:lnTo>
-                  <a:lnTo>
-                    <a:pt x="15248" y="5073863"/>
-                  </a:lnTo>
-                  <a:lnTo>
-                    <a:pt x="6858" y="5028668"/>
-                  </a:lnTo>
-                  <a:lnTo>
-                    <a:pt x="1735" y="4982408"/>
-                  </a:lnTo>
-                  <a:lnTo>
-                    <a:pt x="0" y="4935207"/>
-                  </a:lnTo>
-                  <a:lnTo>
-                    <a:pt x="0" y="632459"/>
-                  </a:lnTo>
-                  <a:close/>
-                </a:path>
-              </a:pathLst>
-            </a:custGeom>
-            <a:ln w="9524">
-              <a:solidFill>
-                <a:srgbClr val="50B4C7"/>
-              </a:solidFill>
-            </a:ln>
-          </p:spPr>
-          <p:txBody>
-            <a:bodyPr wrap="square" lIns="0" tIns="0" rIns="0" bIns="0" rtlCol="0"/>
-            <a:lstStyle/>
-            <a:p>
-              <a:endParaRPr/>
-            </a:p>
-          </p:txBody>
-        </p:sp>
-      </p:grpSp>
-      <p:sp>
-        <p:nvSpPr>
-          <p:cNvPr id="8" name="object 8"/>
-          <p:cNvSpPr txBox="1"/>
-          <p:nvPr/>
-        </p:nvSpPr>
-        <p:spPr>
-          <a:xfrm>
-            <a:off x="8419210" y="1814448"/>
-            <a:ext cx="3268979" cy="4416425"/>
-          </a:xfrm>
-          <a:prstGeom prst="rect">
-            <a:avLst/>
-          </a:prstGeom>
-        </p:spPr>
-        <p:txBody>
-          <a:bodyPr vert="horz" wrap="square" lIns="0" tIns="12700" rIns="0" bIns="0" rtlCol="0">
-            <a:spAutoFit/>
-          </a:bodyPr>
-          <a:lstStyle/>
-          <a:p>
-            <a:pPr marL="12700">
-              <a:lnSpc>
-                <a:spcPct val="100000"/>
-              </a:lnSpc>
-              <a:spcBef>
-                <a:spcPts val="100"/>
-              </a:spcBef>
-              <a:tabLst>
-                <a:tab pos="1407160" algn="l"/>
-                <a:tab pos="1899920" algn="l"/>
-                <a:tab pos="3027680" algn="l"/>
-              </a:tabLst>
-            </a:pPr>
-            <a:r>
-              <a:rPr sz="1800" spc="-15" dirty="0">
-                <a:latin typeface="Calibri Light"/>
-                <a:cs typeface="Calibri Light"/>
-              </a:rPr>
-              <a:t>A</a:t>
-            </a:r>
-            <a:r>
-              <a:rPr sz="1800" spc="-25" dirty="0">
-                <a:latin typeface="Calibri Light"/>
-                <a:cs typeface="Calibri Light"/>
-              </a:rPr>
-              <a:t>r</a:t>
-            </a:r>
-            <a:r>
-              <a:rPr sz="1800" spc="-20" dirty="0">
-                <a:latin typeface="Calibri Light"/>
-                <a:cs typeface="Calibri Light"/>
-              </a:rPr>
-              <a:t>q</a:t>
-            </a:r>
-            <a:r>
-              <a:rPr sz="1800" spc="-40" dirty="0">
-                <a:latin typeface="Calibri Light"/>
-                <a:cs typeface="Calibri Light"/>
-              </a:rPr>
-              <a:t>u</a:t>
-            </a:r>
-            <a:r>
-              <a:rPr sz="1800" dirty="0">
-                <a:latin typeface="Calibri Light"/>
-                <a:cs typeface="Calibri Light"/>
-              </a:rPr>
-              <a:t>i</a:t>
-            </a:r>
-            <a:r>
-              <a:rPr sz="1800" spc="-35" dirty="0">
-                <a:latin typeface="Calibri Light"/>
-                <a:cs typeface="Calibri Light"/>
-              </a:rPr>
-              <a:t>t</a:t>
-            </a:r>
-            <a:r>
-              <a:rPr sz="1800" spc="-30" dirty="0">
-                <a:latin typeface="Calibri Light"/>
-                <a:cs typeface="Calibri Light"/>
-              </a:rPr>
-              <a:t>e</a:t>
-            </a:r>
-            <a:r>
-              <a:rPr sz="1800" spc="-5" dirty="0">
-                <a:latin typeface="Calibri Light"/>
-                <a:cs typeface="Calibri Light"/>
-              </a:rPr>
-              <a:t>c</a:t>
-            </a:r>
-            <a:r>
-              <a:rPr sz="1800" spc="-40" dirty="0">
-                <a:latin typeface="Calibri Light"/>
-                <a:cs typeface="Calibri Light"/>
-              </a:rPr>
-              <a:t>t</a:t>
-            </a:r>
-            <a:r>
-              <a:rPr sz="1800" spc="-20" dirty="0">
-                <a:latin typeface="Calibri Light"/>
-                <a:cs typeface="Calibri Light"/>
-              </a:rPr>
-              <a:t>u</a:t>
-            </a:r>
-            <a:r>
-              <a:rPr sz="1800" spc="-45" dirty="0">
-                <a:latin typeface="Calibri Light"/>
-                <a:cs typeface="Calibri Light"/>
-              </a:rPr>
-              <a:t>r</a:t>
-            </a:r>
-            <a:r>
-              <a:rPr sz="1800" dirty="0">
-                <a:latin typeface="Calibri Light"/>
-                <a:cs typeface="Calibri Light"/>
-              </a:rPr>
-              <a:t>a	</a:t>
-            </a:r>
-            <a:r>
-              <a:rPr sz="1800" spc="-20" dirty="0">
-                <a:latin typeface="Calibri Light"/>
-                <a:cs typeface="Calibri Light"/>
-              </a:rPr>
-              <a:t>d</a:t>
-            </a:r>
-            <a:r>
-              <a:rPr sz="1800" dirty="0">
-                <a:latin typeface="Calibri Light"/>
-                <a:cs typeface="Calibri Light"/>
-              </a:rPr>
-              <a:t>e	E</a:t>
-            </a:r>
-            <a:r>
-              <a:rPr sz="1800" spc="-15" dirty="0">
-                <a:latin typeface="Calibri Light"/>
-                <a:cs typeface="Calibri Light"/>
-              </a:rPr>
-              <a:t>j</a:t>
-            </a:r>
-            <a:r>
-              <a:rPr sz="1800" spc="-10" dirty="0">
-                <a:latin typeface="Calibri Light"/>
-                <a:cs typeface="Calibri Light"/>
-              </a:rPr>
-              <a:t>e</a:t>
-            </a:r>
-            <a:r>
-              <a:rPr sz="1800" spc="-30" dirty="0">
-                <a:latin typeface="Calibri Light"/>
-                <a:cs typeface="Calibri Light"/>
-              </a:rPr>
-              <a:t>c</a:t>
-            </a:r>
-            <a:r>
-              <a:rPr sz="1800" spc="-20" dirty="0">
-                <a:latin typeface="Calibri Light"/>
-                <a:cs typeface="Calibri Light"/>
-              </a:rPr>
-              <a:t>u</a:t>
-            </a:r>
-            <a:r>
-              <a:rPr sz="1800" spc="-30" dirty="0">
-                <a:latin typeface="Calibri Light"/>
-                <a:cs typeface="Calibri Light"/>
-              </a:rPr>
-              <a:t>c</a:t>
-            </a:r>
-            <a:r>
-              <a:rPr sz="1800" spc="-20" dirty="0">
-                <a:latin typeface="Calibri Light"/>
-                <a:cs typeface="Calibri Light"/>
-              </a:rPr>
-              <a:t>ió</a:t>
-            </a:r>
-            <a:r>
-              <a:rPr sz="1800" dirty="0">
-                <a:latin typeface="Calibri Light"/>
-                <a:cs typeface="Calibri Light"/>
-              </a:rPr>
-              <a:t>n	</a:t>
-            </a:r>
-            <a:r>
-              <a:rPr sz="1800" spc="-20" dirty="0">
-                <a:latin typeface="Calibri Light"/>
-                <a:cs typeface="Calibri Light"/>
-              </a:rPr>
-              <a:t>de</a:t>
-            </a:r>
-            <a:endParaRPr sz="1800">
-              <a:latin typeface="Calibri Light"/>
-              <a:cs typeface="Calibri Light"/>
-            </a:endParaRPr>
-          </a:p>
-          <a:p>
-            <a:pPr marL="12700">
-              <a:lnSpc>
-                <a:spcPct val="100000"/>
-              </a:lnSpc>
-            </a:pPr>
-            <a:r>
-              <a:rPr sz="1800" spc="-10" dirty="0">
-                <a:latin typeface="Calibri Light"/>
-                <a:cs typeface="Calibri Light"/>
-              </a:rPr>
-              <a:t>Modelo:</a:t>
-            </a:r>
-            <a:endParaRPr sz="1800">
-              <a:latin typeface="Calibri Light"/>
-              <a:cs typeface="Calibri Light"/>
-            </a:endParaRPr>
-          </a:p>
-          <a:p>
-            <a:pPr marL="355600" marR="5080" indent="-342900" algn="just">
-              <a:lnSpc>
-                <a:spcPct val="100000"/>
-              </a:lnSpc>
-              <a:buAutoNum type="arabicPeriod"/>
-              <a:tabLst>
-                <a:tab pos="355600" algn="l"/>
-              </a:tabLst>
-            </a:pPr>
-            <a:r>
-              <a:rPr sz="1800" dirty="0">
-                <a:latin typeface="Calibri Light"/>
-                <a:cs typeface="Calibri Light"/>
-              </a:rPr>
-              <a:t>El </a:t>
-            </a:r>
-            <a:r>
-              <a:rPr sz="1800" spc="-10" dirty="0">
-                <a:latin typeface="Calibri Light"/>
-                <a:cs typeface="Calibri Light"/>
-              </a:rPr>
-              <a:t>Data Scientist </a:t>
-            </a:r>
-            <a:r>
-              <a:rPr sz="1800" spc="-5" dirty="0">
-                <a:latin typeface="Calibri Light"/>
-                <a:cs typeface="Calibri Light"/>
-              </a:rPr>
-              <a:t>ingresa </a:t>
-            </a:r>
-            <a:r>
-              <a:rPr sz="1800" dirty="0">
-                <a:latin typeface="Calibri Light"/>
-                <a:cs typeface="Calibri Light"/>
-              </a:rPr>
-              <a:t>un </a:t>
-            </a:r>
-            <a:r>
-              <a:rPr sz="1800" spc="-5" dirty="0">
-                <a:latin typeface="Calibri Light"/>
-                <a:cs typeface="Calibri Light"/>
-              </a:rPr>
-              <a:t>set </a:t>
-            </a:r>
-            <a:r>
-              <a:rPr sz="1800" dirty="0">
-                <a:latin typeface="Calibri Light"/>
-                <a:cs typeface="Calibri Light"/>
-              </a:rPr>
-              <a:t> de</a:t>
-            </a:r>
-            <a:r>
-              <a:rPr sz="1800" spc="5" dirty="0">
-                <a:latin typeface="Calibri Light"/>
-                <a:cs typeface="Calibri Light"/>
-              </a:rPr>
-              <a:t> </a:t>
-            </a:r>
-            <a:r>
-              <a:rPr sz="1800" spc="-10" dirty="0">
-                <a:latin typeface="Calibri Light"/>
-                <a:cs typeface="Calibri Light"/>
-              </a:rPr>
-              <a:t>datos</a:t>
-            </a:r>
-            <a:r>
-              <a:rPr sz="1800" spc="-5" dirty="0">
-                <a:latin typeface="Calibri Light"/>
-                <a:cs typeface="Calibri Light"/>
-              </a:rPr>
-              <a:t> </a:t>
-            </a:r>
-            <a:r>
-              <a:rPr sz="1800" spc="-10" dirty="0">
-                <a:latin typeface="Calibri Light"/>
-                <a:cs typeface="Calibri Light"/>
-              </a:rPr>
-              <a:t>(archivo.csv)</a:t>
-            </a:r>
-            <a:r>
-              <a:rPr sz="1800" spc="385" dirty="0">
-                <a:latin typeface="Calibri Light"/>
-                <a:cs typeface="Calibri Light"/>
-              </a:rPr>
-              <a:t> </a:t>
-            </a:r>
-            <a:r>
-              <a:rPr sz="1800" spc="-10" dirty="0">
-                <a:latin typeface="Calibri Light"/>
-                <a:cs typeface="Calibri Light"/>
-              </a:rPr>
-              <a:t>dentro </a:t>
-            </a:r>
-            <a:r>
-              <a:rPr sz="1800" spc="-5" dirty="0">
-                <a:latin typeface="Calibri Light"/>
-                <a:cs typeface="Calibri Light"/>
-              </a:rPr>
-              <a:t> </a:t>
-            </a:r>
-            <a:r>
-              <a:rPr sz="1800" dirty="0">
-                <a:latin typeface="Calibri Light"/>
-                <a:cs typeface="Calibri Light"/>
-              </a:rPr>
-              <a:t>de</a:t>
-            </a:r>
-            <a:r>
-              <a:rPr sz="1800" spc="-5" dirty="0">
-                <a:latin typeface="Calibri Light"/>
-                <a:cs typeface="Calibri Light"/>
-              </a:rPr>
-              <a:t> </a:t>
-            </a:r>
-            <a:r>
-              <a:rPr sz="1800" dirty="0">
-                <a:latin typeface="Calibri Light"/>
-                <a:cs typeface="Calibri Light"/>
-              </a:rPr>
-              <a:t>un</a:t>
-            </a:r>
-            <a:r>
-              <a:rPr sz="1800" spc="-5" dirty="0">
-                <a:latin typeface="Calibri Light"/>
-                <a:cs typeface="Calibri Light"/>
-              </a:rPr>
-              <a:t> </a:t>
-            </a:r>
-            <a:r>
-              <a:rPr sz="1800" spc="-15" dirty="0">
-                <a:latin typeface="Calibri Light"/>
-                <a:cs typeface="Calibri Light"/>
-              </a:rPr>
-              <a:t>bucket</a:t>
-            </a:r>
-            <a:r>
-              <a:rPr sz="1800" spc="-30" dirty="0">
-                <a:latin typeface="Calibri Light"/>
-                <a:cs typeface="Calibri Light"/>
-              </a:rPr>
-              <a:t> </a:t>
-            </a:r>
-            <a:r>
-              <a:rPr sz="1800" spc="-5" dirty="0">
-                <a:latin typeface="Calibri Light"/>
-                <a:cs typeface="Calibri Light"/>
-              </a:rPr>
-              <a:t>del</a:t>
-            </a:r>
-            <a:r>
-              <a:rPr sz="1800" spc="10" dirty="0">
-                <a:latin typeface="Calibri Light"/>
-                <a:cs typeface="Calibri Light"/>
-              </a:rPr>
-              <a:t> </a:t>
-            </a:r>
-            <a:r>
-              <a:rPr sz="1800" dirty="0">
-                <a:latin typeface="Calibri Light"/>
-                <a:cs typeface="Calibri Light"/>
-              </a:rPr>
-              <a:t>S3.</a:t>
-            </a:r>
-            <a:endParaRPr sz="1800">
-              <a:latin typeface="Calibri Light"/>
-              <a:cs typeface="Calibri Light"/>
-            </a:endParaRPr>
-          </a:p>
-          <a:p>
-            <a:pPr marL="355600" marR="5080" indent="-342900" algn="just">
-              <a:lnSpc>
-                <a:spcPct val="100000"/>
-              </a:lnSpc>
-              <a:spcBef>
-                <a:spcPts val="5"/>
-              </a:spcBef>
-              <a:buAutoNum type="arabicPeriod"/>
-              <a:tabLst>
-                <a:tab pos="355600" algn="l"/>
-              </a:tabLst>
-            </a:pPr>
-            <a:r>
-              <a:rPr sz="1800" spc="-5" dirty="0">
-                <a:latin typeface="Calibri Light"/>
-                <a:cs typeface="Calibri Light"/>
-              </a:rPr>
-              <a:t>Cuando</a:t>
-            </a:r>
-            <a:r>
-              <a:rPr sz="1800" dirty="0">
-                <a:latin typeface="Calibri Light"/>
-                <a:cs typeface="Calibri Light"/>
-              </a:rPr>
-              <a:t> se</a:t>
-            </a:r>
-            <a:r>
-              <a:rPr sz="1800" spc="5" dirty="0">
-                <a:latin typeface="Calibri Light"/>
-                <a:cs typeface="Calibri Light"/>
-              </a:rPr>
-              <a:t> </a:t>
-            </a:r>
-            <a:r>
-              <a:rPr sz="1800" spc="-5" dirty="0">
-                <a:latin typeface="Calibri Light"/>
-                <a:cs typeface="Calibri Light"/>
-              </a:rPr>
-              <a:t>ingresa</a:t>
-            </a:r>
-            <a:r>
-              <a:rPr sz="1800" dirty="0">
-                <a:latin typeface="Calibri Light"/>
-                <a:cs typeface="Calibri Light"/>
-              </a:rPr>
-              <a:t> un</a:t>
-            </a:r>
-            <a:r>
-              <a:rPr sz="1800" spc="405" dirty="0">
-                <a:latin typeface="Calibri Light"/>
-                <a:cs typeface="Calibri Light"/>
-              </a:rPr>
-              <a:t> </a:t>
-            </a:r>
-            <a:r>
-              <a:rPr sz="1800" spc="-10" dirty="0">
-                <a:latin typeface="Calibri Light"/>
-                <a:cs typeface="Calibri Light"/>
-              </a:rPr>
-              <a:t>archivo </a:t>
-            </a:r>
-            <a:r>
-              <a:rPr sz="1800" spc="-395" dirty="0">
-                <a:latin typeface="Calibri Light"/>
-                <a:cs typeface="Calibri Light"/>
-              </a:rPr>
-              <a:t> </a:t>
-            </a:r>
-            <a:r>
-              <a:rPr sz="1800" dirty="0">
-                <a:latin typeface="Calibri Light"/>
-                <a:cs typeface="Calibri Light"/>
-              </a:rPr>
-              <a:t>se</a:t>
-            </a:r>
-            <a:r>
-              <a:rPr sz="1800" spc="5" dirty="0">
-                <a:latin typeface="Calibri Light"/>
-                <a:cs typeface="Calibri Light"/>
-              </a:rPr>
-              <a:t> </a:t>
-            </a:r>
-            <a:r>
-              <a:rPr sz="1800" spc="-5" dirty="0">
-                <a:latin typeface="Calibri Light"/>
-                <a:cs typeface="Calibri Light"/>
-              </a:rPr>
-              <a:t>dispara</a:t>
-            </a:r>
-            <a:r>
-              <a:rPr sz="1800" dirty="0">
-                <a:latin typeface="Calibri Light"/>
-                <a:cs typeface="Calibri Light"/>
-              </a:rPr>
-              <a:t> un</a:t>
-            </a:r>
-            <a:r>
-              <a:rPr sz="1800" spc="5" dirty="0">
-                <a:latin typeface="Calibri Light"/>
-                <a:cs typeface="Calibri Light"/>
-              </a:rPr>
-              <a:t> </a:t>
-            </a:r>
-            <a:r>
-              <a:rPr sz="1800" dirty="0">
-                <a:latin typeface="Calibri Light"/>
-                <a:cs typeface="Calibri Light"/>
-              </a:rPr>
-              <a:t>trigger</a:t>
-            </a:r>
-            <a:r>
-              <a:rPr sz="1800" spc="5" dirty="0">
-                <a:latin typeface="Calibri Light"/>
-                <a:cs typeface="Calibri Light"/>
-              </a:rPr>
-              <a:t> </a:t>
-            </a:r>
-            <a:r>
-              <a:rPr sz="1800" dirty="0">
-                <a:latin typeface="Calibri Light"/>
-                <a:cs typeface="Calibri Light"/>
-              </a:rPr>
-              <a:t>de </a:t>
-            </a:r>
-            <a:r>
-              <a:rPr sz="1800" spc="5" dirty="0">
-                <a:latin typeface="Calibri Light"/>
-                <a:cs typeface="Calibri Light"/>
-              </a:rPr>
-              <a:t> </a:t>
-            </a:r>
-            <a:r>
-              <a:rPr sz="1800" spc="-5" dirty="0">
-                <a:latin typeface="Calibri Light"/>
-                <a:cs typeface="Calibri Light"/>
-              </a:rPr>
-              <a:t>ejecución</a:t>
-            </a:r>
-            <a:r>
-              <a:rPr sz="1800" spc="10" dirty="0">
-                <a:latin typeface="Calibri Light"/>
-                <a:cs typeface="Calibri Light"/>
-              </a:rPr>
-              <a:t> </a:t>
-            </a:r>
-            <a:r>
-              <a:rPr sz="1800" dirty="0">
-                <a:latin typeface="Calibri Light"/>
-                <a:cs typeface="Calibri Light"/>
-              </a:rPr>
-              <a:t>de</a:t>
-            </a:r>
-            <a:r>
-              <a:rPr sz="1800" spc="-5" dirty="0">
-                <a:latin typeface="Calibri Light"/>
-                <a:cs typeface="Calibri Light"/>
-              </a:rPr>
-              <a:t> lambda.</a:t>
-            </a:r>
-            <a:endParaRPr sz="1800">
-              <a:latin typeface="Calibri Light"/>
-              <a:cs typeface="Calibri Light"/>
-            </a:endParaRPr>
-          </a:p>
-          <a:p>
-            <a:pPr marL="355600" marR="5080" indent="-342900" algn="just">
-              <a:lnSpc>
-                <a:spcPct val="100000"/>
-              </a:lnSpc>
-              <a:buAutoNum type="arabicPeriod"/>
-              <a:tabLst>
-                <a:tab pos="355600" algn="l"/>
-              </a:tabLst>
-            </a:pPr>
-            <a:r>
-              <a:rPr sz="1800" dirty="0">
-                <a:latin typeface="Calibri Light"/>
-                <a:cs typeface="Calibri Light"/>
-              </a:rPr>
-              <a:t>El lambda </a:t>
-            </a:r>
-            <a:r>
-              <a:rPr sz="1800" spc="-10" dirty="0">
-                <a:latin typeface="Calibri Light"/>
-                <a:cs typeface="Calibri Light"/>
-              </a:rPr>
-              <a:t>reconoce </a:t>
-            </a:r>
-            <a:r>
-              <a:rPr sz="1800" spc="-5" dirty="0">
-                <a:latin typeface="Calibri Light"/>
-                <a:cs typeface="Calibri Light"/>
-              </a:rPr>
-              <a:t>el </a:t>
-            </a:r>
-            <a:r>
-              <a:rPr sz="1800" spc="-10" dirty="0">
-                <a:latin typeface="Calibri Light"/>
-                <a:cs typeface="Calibri Light"/>
-              </a:rPr>
-              <a:t>archivo </a:t>
-            </a:r>
-            <a:r>
-              <a:rPr sz="1800" spc="-5" dirty="0">
-                <a:latin typeface="Calibri Light"/>
-                <a:cs typeface="Calibri Light"/>
-              </a:rPr>
-              <a:t> </a:t>
-            </a:r>
-            <a:r>
-              <a:rPr sz="1800" spc="-15" dirty="0">
-                <a:latin typeface="Calibri Light"/>
-                <a:cs typeface="Calibri Light"/>
-              </a:rPr>
-              <a:t>enviado, </a:t>
-            </a:r>
-            <a:r>
-              <a:rPr sz="1800" spc="-5" dirty="0">
-                <a:latin typeface="Calibri Light"/>
-                <a:cs typeface="Calibri Light"/>
-              </a:rPr>
-              <a:t>obtiene el modelo </a:t>
-            </a:r>
-            <a:r>
-              <a:rPr sz="1800" dirty="0">
-                <a:latin typeface="Calibri Light"/>
-                <a:cs typeface="Calibri Light"/>
-              </a:rPr>
-              <a:t>del </a:t>
-            </a:r>
-            <a:r>
-              <a:rPr sz="1800" spc="5" dirty="0">
-                <a:latin typeface="Calibri Light"/>
-                <a:cs typeface="Calibri Light"/>
-              </a:rPr>
-              <a:t> </a:t>
-            </a:r>
-            <a:r>
-              <a:rPr sz="1800" spc="-10" dirty="0">
-                <a:latin typeface="Calibri Light"/>
-                <a:cs typeface="Calibri Light"/>
-              </a:rPr>
-              <a:t>contenedor </a:t>
-            </a:r>
-            <a:r>
-              <a:rPr sz="1800" spc="-5" dirty="0">
-                <a:latin typeface="Calibri Light"/>
-                <a:cs typeface="Calibri Light"/>
-              </a:rPr>
-              <a:t>(ECR), </a:t>
-            </a:r>
-            <a:r>
-              <a:rPr sz="1800" dirty="0">
-                <a:latin typeface="Calibri Light"/>
-                <a:cs typeface="Calibri Light"/>
-              </a:rPr>
-              <a:t>y </a:t>
-            </a:r>
-            <a:r>
-              <a:rPr sz="1800" spc="-10" dirty="0">
-                <a:latin typeface="Calibri Light"/>
-                <a:cs typeface="Calibri Light"/>
-              </a:rPr>
-              <a:t>ejecuta </a:t>
-            </a:r>
-            <a:r>
-              <a:rPr sz="1800" spc="-15" dirty="0">
-                <a:latin typeface="Calibri Light"/>
-                <a:cs typeface="Calibri Light"/>
-              </a:rPr>
-              <a:t>el </a:t>
-            </a:r>
-            <a:r>
-              <a:rPr sz="1800" spc="-10" dirty="0">
-                <a:latin typeface="Calibri Light"/>
-                <a:cs typeface="Calibri Light"/>
-              </a:rPr>
-              <a:t> </a:t>
-            </a:r>
-            <a:r>
-              <a:rPr sz="1800" spc="-5" dirty="0">
-                <a:latin typeface="Calibri Light"/>
-                <a:cs typeface="Calibri Light"/>
-              </a:rPr>
-              <a:t>modelo.</a:t>
-            </a:r>
-            <a:endParaRPr sz="1800">
-              <a:latin typeface="Calibri Light"/>
-              <a:cs typeface="Calibri Light"/>
-            </a:endParaRPr>
-          </a:p>
-          <a:p>
-            <a:pPr marL="355600" marR="5080" indent="-342900" algn="just">
-              <a:lnSpc>
-                <a:spcPct val="100000"/>
-              </a:lnSpc>
-              <a:spcBef>
-                <a:spcPts val="5"/>
-              </a:spcBef>
-              <a:buAutoNum type="arabicPeriod"/>
-              <a:tabLst>
-                <a:tab pos="355600" algn="l"/>
-              </a:tabLst>
-            </a:pPr>
-            <a:r>
-              <a:rPr sz="1800" spc="-5" dirty="0">
-                <a:latin typeface="Calibri Light"/>
-                <a:cs typeface="Calibri Light"/>
-              </a:rPr>
-              <a:t>Los </a:t>
-            </a:r>
-            <a:r>
-              <a:rPr sz="1800" spc="-10" dirty="0">
-                <a:latin typeface="Calibri Light"/>
-                <a:cs typeface="Calibri Light"/>
-              </a:rPr>
-              <a:t>resultados </a:t>
-            </a:r>
-            <a:r>
-              <a:rPr sz="1800" dirty="0">
-                <a:latin typeface="Calibri Light"/>
-                <a:cs typeface="Calibri Light"/>
-              </a:rPr>
-              <a:t>del </a:t>
-            </a:r>
-            <a:r>
-              <a:rPr sz="1800" spc="-5" dirty="0">
-                <a:latin typeface="Calibri Light"/>
-                <a:cs typeface="Calibri Light"/>
-              </a:rPr>
-              <a:t>modelo </a:t>
-            </a:r>
-            <a:r>
-              <a:rPr sz="1800" dirty="0">
-                <a:latin typeface="Calibri Light"/>
-                <a:cs typeface="Calibri Light"/>
-              </a:rPr>
-              <a:t>son </a:t>
-            </a:r>
-            <a:r>
-              <a:rPr sz="1800" spc="5" dirty="0">
-                <a:latin typeface="Calibri Light"/>
-                <a:cs typeface="Calibri Light"/>
-              </a:rPr>
-              <a:t> </a:t>
-            </a:r>
-            <a:r>
-              <a:rPr sz="1800" spc="-5" dirty="0">
-                <a:latin typeface="Calibri Light"/>
-                <a:cs typeface="Calibri Light"/>
-              </a:rPr>
-              <a:t>almacenados</a:t>
-            </a:r>
-            <a:r>
-              <a:rPr sz="1800" dirty="0">
-                <a:latin typeface="Calibri Light"/>
-                <a:cs typeface="Calibri Light"/>
-              </a:rPr>
-              <a:t> </a:t>
-            </a:r>
-            <a:r>
-              <a:rPr sz="1800" spc="-10" dirty="0">
-                <a:latin typeface="Calibri Light"/>
-                <a:cs typeface="Calibri Light"/>
-              </a:rPr>
-              <a:t>en</a:t>
-            </a:r>
-            <a:r>
-              <a:rPr sz="1800" spc="-5" dirty="0">
-                <a:latin typeface="Calibri Light"/>
-                <a:cs typeface="Calibri Light"/>
-              </a:rPr>
-              <a:t> </a:t>
-            </a:r>
-            <a:r>
-              <a:rPr sz="1800" dirty="0">
-                <a:latin typeface="Calibri Light"/>
-                <a:cs typeface="Calibri Light"/>
-              </a:rPr>
-              <a:t>una</a:t>
-            </a:r>
-            <a:r>
-              <a:rPr sz="1800" spc="5" dirty="0">
-                <a:latin typeface="Calibri Light"/>
-                <a:cs typeface="Calibri Light"/>
-              </a:rPr>
-              <a:t> </a:t>
-            </a:r>
-            <a:r>
-              <a:rPr sz="1800" spc="-5" dirty="0">
-                <a:latin typeface="Calibri Light"/>
-                <a:cs typeface="Calibri Light"/>
-              </a:rPr>
-              <a:t>ruta</a:t>
-            </a:r>
-            <a:r>
-              <a:rPr sz="1800" spc="395" dirty="0">
-                <a:latin typeface="Calibri Light"/>
-                <a:cs typeface="Calibri Light"/>
-              </a:rPr>
-              <a:t> </a:t>
-            </a:r>
-            <a:r>
-              <a:rPr sz="1800" dirty="0">
-                <a:latin typeface="Calibri Light"/>
-                <a:cs typeface="Calibri Light"/>
-              </a:rPr>
-              <a:t>de </a:t>
-            </a:r>
-            <a:r>
-              <a:rPr sz="1800" spc="5" dirty="0">
-                <a:latin typeface="Calibri Light"/>
-                <a:cs typeface="Calibri Light"/>
-              </a:rPr>
-              <a:t> </a:t>
-            </a:r>
-            <a:r>
-              <a:rPr sz="1800" dirty="0">
-                <a:latin typeface="Calibri Light"/>
-                <a:cs typeface="Calibri Light"/>
-              </a:rPr>
-              <a:t>S3, </a:t>
-            </a:r>
-            <a:r>
-              <a:rPr sz="1800" spc="-15" dirty="0">
-                <a:latin typeface="Calibri Light"/>
-                <a:cs typeface="Calibri Light"/>
-              </a:rPr>
-              <a:t>para</a:t>
-            </a:r>
-            <a:r>
-              <a:rPr sz="1800" spc="-10" dirty="0">
-                <a:latin typeface="Calibri Light"/>
-                <a:cs typeface="Calibri Light"/>
-              </a:rPr>
-              <a:t> </a:t>
-            </a:r>
-            <a:r>
-              <a:rPr sz="1800" dirty="0">
-                <a:latin typeface="Calibri Light"/>
-                <a:cs typeface="Calibri Light"/>
-              </a:rPr>
-              <a:t>ser </a:t>
-            </a:r>
-            <a:r>
-              <a:rPr sz="1800" spc="-5" dirty="0">
-                <a:latin typeface="Calibri Light"/>
-                <a:cs typeface="Calibri Light"/>
-              </a:rPr>
-              <a:t>analizados </a:t>
-            </a:r>
-            <a:r>
-              <a:rPr sz="1800" spc="5" dirty="0">
-                <a:latin typeface="Calibri Light"/>
-                <a:cs typeface="Calibri Light"/>
-              </a:rPr>
-              <a:t>por </a:t>
-            </a:r>
-            <a:r>
-              <a:rPr sz="1800" spc="-10" dirty="0">
-                <a:latin typeface="Calibri Light"/>
-                <a:cs typeface="Calibri Light"/>
-              </a:rPr>
-              <a:t>el </a:t>
-            </a:r>
-            <a:r>
-              <a:rPr sz="1800" spc="-5" dirty="0">
-                <a:latin typeface="Calibri Light"/>
-                <a:cs typeface="Calibri Light"/>
-              </a:rPr>
-              <a:t> </a:t>
-            </a:r>
-            <a:r>
-              <a:rPr sz="1800" dirty="0">
-                <a:latin typeface="Calibri Light"/>
-                <a:cs typeface="Calibri Light"/>
-              </a:rPr>
-              <a:t>DS.</a:t>
-            </a:r>
-            <a:endParaRPr sz="1800">
-              <a:latin typeface="Calibri Light"/>
-              <a:cs typeface="Calibri Light"/>
-            </a:endParaRPr>
-          </a:p>
-        </p:txBody>
-      </p:sp>
-      <p:sp>
-        <p:nvSpPr>
-          <p:cNvPr id="10" name="object 10"/>
-          <p:cNvSpPr txBox="1">
-            <a:spLocks noGrp="1"/>
-          </p:cNvSpPr>
-          <p:nvPr>
-            <p:ph type="ftr" sz="quarter" idx="5"/>
-          </p:nvPr>
-        </p:nvSpPr>
-        <p:spPr>
-          <a:prstGeom prst="rect">
-            <a:avLst/>
-          </a:prstGeom>
-        </p:spPr>
-        <p:txBody>
-          <a:bodyPr vert="horz" wrap="square" lIns="0" tIns="0" rIns="0" bIns="0" rtlCol="0">
-            <a:spAutoFit/>
-          </a:bodyPr>
-          <a:lstStyle/>
-          <a:p>
-            <a:pPr marL="12700">
-              <a:lnSpc>
-                <a:spcPts val="1010"/>
-              </a:lnSpc>
-            </a:pPr>
-            <a:r>
-              <a:rPr spc="-5" dirty="0"/>
-              <a:t>1</a:t>
-            </a:r>
-            <a:r>
-              <a:rPr spc="5" dirty="0"/>
-              <a:t>1</a:t>
-            </a:r>
-            <a:r>
-              <a:rPr spc="-5" dirty="0"/>
-              <a:t> </a:t>
-            </a:r>
-            <a:r>
-              <a:rPr spc="5" dirty="0"/>
-              <a:t>de</a:t>
-            </a:r>
-            <a:r>
-              <a:rPr spc="-10" dirty="0"/>
-              <a:t> </a:t>
-            </a:r>
-            <a:r>
-              <a:rPr spc="5" dirty="0"/>
-              <a:t>abri</a:t>
-            </a:r>
-            <a:r>
-              <a:rPr dirty="0"/>
-              <a:t>l</a:t>
-            </a:r>
-            <a:r>
-              <a:rPr spc="-50" dirty="0"/>
-              <a:t> </a:t>
-            </a:r>
-            <a:r>
-              <a:rPr spc="5" dirty="0"/>
-              <a:t>de</a:t>
-            </a:r>
-            <a:r>
-              <a:rPr spc="-10" dirty="0"/>
-              <a:t> </a:t>
-            </a:r>
-            <a:r>
-              <a:rPr spc="-5" dirty="0"/>
-              <a:t>202</a:t>
-            </a:r>
-            <a:r>
-              <a:rPr spc="5" dirty="0"/>
-              <a:t>2</a:t>
-            </a:r>
-          </a:p>
-        </p:txBody>
-      </p:sp>
-      <p:sp>
-        <p:nvSpPr>
-          <p:cNvPr id="11" name="object 11"/>
-          <p:cNvSpPr txBox="1">
-            <a:spLocks noGrp="1"/>
-          </p:cNvSpPr>
-          <p:nvPr>
-            <p:ph type="dt" sz="half" idx="6"/>
-          </p:nvPr>
-        </p:nvSpPr>
-        <p:spPr>
-          <a:prstGeom prst="rect">
-            <a:avLst/>
-          </a:prstGeom>
-        </p:spPr>
-        <p:txBody>
-          <a:bodyPr vert="horz" wrap="square" lIns="0" tIns="0" rIns="0" bIns="0" rtlCol="0">
-            <a:spAutoFit/>
-          </a:bodyPr>
-          <a:lstStyle/>
-          <a:p>
-            <a:pPr marL="12700">
-              <a:lnSpc>
-                <a:spcPts val="1010"/>
-              </a:lnSpc>
-            </a:pPr>
-            <a:r>
-              <a:rPr dirty="0"/>
-              <a:t>COPYRIGHT</a:t>
-            </a:r>
-            <a:r>
-              <a:rPr spc="-40" dirty="0"/>
-              <a:t> </a:t>
-            </a:r>
-            <a:r>
-              <a:rPr spc="5" dirty="0"/>
-              <a:t>©</a:t>
-            </a:r>
-            <a:r>
-              <a:rPr spc="-20" dirty="0"/>
-              <a:t> </a:t>
-            </a:r>
-            <a:r>
-              <a:rPr spc="-5" dirty="0"/>
-              <a:t>2016,</a:t>
-            </a:r>
-            <a:r>
-              <a:rPr spc="25" dirty="0"/>
-              <a:t> </a:t>
-            </a:r>
-            <a:r>
-              <a:rPr dirty="0"/>
-              <a:t>EVERIS.</a:t>
-            </a:r>
-            <a:r>
-              <a:rPr spc="-55" dirty="0"/>
-              <a:t> </a:t>
-            </a:r>
-            <a:r>
-              <a:rPr dirty="0"/>
-              <a:t>ALL</a:t>
-            </a:r>
-            <a:r>
-              <a:rPr spc="-25" dirty="0"/>
-              <a:t> </a:t>
-            </a:r>
-            <a:r>
-              <a:rPr dirty="0"/>
-              <a:t>RIGHTS</a:t>
-            </a:r>
-            <a:r>
-              <a:rPr spc="-35" dirty="0"/>
-              <a:t> </a:t>
-            </a:r>
-            <a:r>
-              <a:rPr dirty="0"/>
-              <a:t>RESERVED.</a:t>
-            </a:r>
-          </a:p>
-        </p:txBody>
-      </p:sp>
-      <p:sp>
-        <p:nvSpPr>
-          <p:cNvPr id="9" name="object 9"/>
-          <p:cNvSpPr txBox="1"/>
-          <p:nvPr/>
-        </p:nvSpPr>
-        <p:spPr>
-          <a:xfrm>
-            <a:off x="116839" y="6258559"/>
-            <a:ext cx="2404110" cy="300355"/>
-          </a:xfrm>
-          <a:prstGeom prst="rect">
-            <a:avLst/>
-          </a:prstGeom>
-        </p:spPr>
-        <p:txBody>
-          <a:bodyPr vert="horz" wrap="square" lIns="0" tIns="12700" rIns="0" bIns="0" rtlCol="0">
-            <a:spAutoFit/>
-          </a:bodyPr>
-          <a:lstStyle/>
-          <a:p>
-            <a:pPr marL="12700">
-              <a:lnSpc>
-                <a:spcPct val="100000"/>
-              </a:lnSpc>
-              <a:spcBef>
-                <a:spcPts val="100"/>
-              </a:spcBef>
-            </a:pPr>
-            <a:r>
-              <a:rPr sz="1800" spc="-5" dirty="0">
-                <a:latin typeface="Calibri Light"/>
-                <a:cs typeface="Calibri Light"/>
-              </a:rPr>
-              <a:t>https://app.diagrams.net/</a:t>
-            </a:r>
-            <a:endParaRPr sz="1800">
-              <a:latin typeface="Calibri Light"/>
-              <a:cs typeface="Calibri Light"/>
-            </a:endParaRPr>
-          </a:p>
-        </p:txBody>
-      </p:sp>
-    </p:spTree>
-  </p:cSld>
-  <p:clrMapOvr>
-    <a:masterClrMapping/>
-  </p:clrMapOvr>
-</p:sld>
-</file>
-
-<file path=ppt/slides/slide27.xml><?xml version="1.0" encoding="utf-8"?>
-<p:sld xmlns:a="http://schemas.openxmlformats.org/drawingml/2006/main" xmlns:r="http://schemas.openxmlformats.org/officeDocument/2006/relationships" xmlns:p="http://schemas.openxmlformats.org/presentationml/2006/main" showMasterSp="0">
-  <p:cSld>
-    <p:spTree>
-      <p:nvGrpSpPr>
-        <p:cNvPr id="1" name=""/>
-        <p:cNvGrpSpPr/>
-        <p:nvPr/>
-      </p:nvGrpSpPr>
-      <p:grpSpPr>
-        <a:xfrm>
-          <a:off x="0" y="0"/>
-          <a:ext cx="0" cy="0"/>
-          <a:chOff x="0" y="0"/>
-          <a:chExt cx="0" cy="0"/>
-        </a:xfrm>
-      </p:grpSpPr>
-      <p:sp>
-        <p:nvSpPr>
-          <p:cNvPr id="2" name="object 2"/>
-          <p:cNvSpPr txBox="1"/>
-          <p:nvPr/>
-        </p:nvSpPr>
-        <p:spPr>
-          <a:xfrm>
-            <a:off x="929957" y="6627494"/>
-            <a:ext cx="5728335" cy="121920"/>
-          </a:xfrm>
-          <a:prstGeom prst="rect">
-            <a:avLst/>
-          </a:prstGeom>
-        </p:spPr>
-        <p:txBody>
-          <a:bodyPr vert="horz" wrap="square" lIns="0" tIns="0" rIns="0" bIns="0" rtlCol="0">
-            <a:spAutoFit/>
-          </a:bodyPr>
-          <a:lstStyle/>
-          <a:p>
-            <a:pPr>
-              <a:lnSpc>
-                <a:spcPts val="910"/>
-              </a:lnSpc>
-              <a:tabLst>
-                <a:tab pos="3200400" algn="l"/>
-              </a:tabLst>
-            </a:pPr>
-            <a:r>
-              <a:rPr sz="950" dirty="0">
-                <a:solidFill>
-                  <a:srgbClr val="888888"/>
-                </a:solidFill>
-                <a:latin typeface="Calibri Light"/>
-                <a:cs typeface="Calibri Light"/>
-              </a:rPr>
-              <a:t>11</a:t>
-            </a:r>
-            <a:r>
-              <a:rPr sz="950" spc="-5" dirty="0">
-                <a:solidFill>
-                  <a:srgbClr val="888888"/>
-                </a:solidFill>
-                <a:latin typeface="Calibri Light"/>
-                <a:cs typeface="Calibri Light"/>
-              </a:rPr>
-              <a:t> </a:t>
-            </a:r>
-            <a:r>
-              <a:rPr sz="950" spc="5" dirty="0">
-                <a:solidFill>
-                  <a:srgbClr val="888888"/>
-                </a:solidFill>
-                <a:latin typeface="Calibri Light"/>
-                <a:cs typeface="Calibri Light"/>
-              </a:rPr>
-              <a:t>de</a:t>
-            </a:r>
-            <a:r>
-              <a:rPr sz="950" spc="-5" dirty="0">
-                <a:solidFill>
-                  <a:srgbClr val="888888"/>
-                </a:solidFill>
-                <a:latin typeface="Calibri Light"/>
-                <a:cs typeface="Calibri Light"/>
-              </a:rPr>
-              <a:t> </a:t>
-            </a:r>
-            <a:r>
-              <a:rPr sz="950" spc="5" dirty="0">
-                <a:solidFill>
-                  <a:srgbClr val="888888"/>
-                </a:solidFill>
-                <a:latin typeface="Calibri Light"/>
-                <a:cs typeface="Calibri Light"/>
-              </a:rPr>
-              <a:t>abril</a:t>
-            </a:r>
-            <a:r>
-              <a:rPr sz="950" spc="-50" dirty="0">
-                <a:solidFill>
-                  <a:srgbClr val="888888"/>
-                </a:solidFill>
-                <a:latin typeface="Calibri Light"/>
-                <a:cs typeface="Calibri Light"/>
-              </a:rPr>
-              <a:t> </a:t>
-            </a:r>
-            <a:r>
-              <a:rPr sz="950" spc="5" dirty="0">
-                <a:solidFill>
-                  <a:srgbClr val="888888"/>
-                </a:solidFill>
-                <a:latin typeface="Calibri Light"/>
-                <a:cs typeface="Calibri Light"/>
-              </a:rPr>
-              <a:t>de</a:t>
-            </a:r>
-            <a:r>
-              <a:rPr sz="950" spc="-5" dirty="0">
-                <a:solidFill>
-                  <a:srgbClr val="888888"/>
-                </a:solidFill>
-                <a:latin typeface="Calibri Light"/>
-                <a:cs typeface="Calibri Light"/>
-              </a:rPr>
-              <a:t> 2022	</a:t>
-            </a:r>
-            <a:r>
-              <a:rPr sz="950" dirty="0">
-                <a:solidFill>
-                  <a:srgbClr val="888888"/>
-                </a:solidFill>
-                <a:latin typeface="Calibri Light"/>
-                <a:cs typeface="Calibri Light"/>
-              </a:rPr>
-              <a:t>COPYRIGHT</a:t>
-            </a:r>
-            <a:r>
-              <a:rPr sz="950" spc="-40" dirty="0">
-                <a:solidFill>
-                  <a:srgbClr val="888888"/>
-                </a:solidFill>
-                <a:latin typeface="Calibri Light"/>
-                <a:cs typeface="Calibri Light"/>
-              </a:rPr>
-              <a:t> </a:t>
-            </a:r>
-            <a:r>
-              <a:rPr sz="950" spc="5" dirty="0">
-                <a:solidFill>
-                  <a:srgbClr val="888888"/>
-                </a:solidFill>
-                <a:latin typeface="Calibri Light"/>
-                <a:cs typeface="Calibri Light"/>
-              </a:rPr>
-              <a:t>©</a:t>
-            </a:r>
-            <a:r>
-              <a:rPr sz="950" spc="-20" dirty="0">
-                <a:solidFill>
-                  <a:srgbClr val="888888"/>
-                </a:solidFill>
-                <a:latin typeface="Calibri Light"/>
-                <a:cs typeface="Calibri Light"/>
-              </a:rPr>
-              <a:t> </a:t>
-            </a:r>
-            <a:r>
-              <a:rPr sz="950" spc="-5" dirty="0">
-                <a:solidFill>
-                  <a:srgbClr val="888888"/>
-                </a:solidFill>
-                <a:latin typeface="Calibri Light"/>
-                <a:cs typeface="Calibri Light"/>
-              </a:rPr>
-              <a:t>2016,</a:t>
-            </a:r>
-            <a:r>
-              <a:rPr sz="950" spc="25" dirty="0">
-                <a:solidFill>
-                  <a:srgbClr val="888888"/>
-                </a:solidFill>
-                <a:latin typeface="Calibri Light"/>
-                <a:cs typeface="Calibri Light"/>
-              </a:rPr>
-              <a:t> </a:t>
-            </a:r>
-            <a:r>
-              <a:rPr sz="950" dirty="0">
-                <a:solidFill>
-                  <a:srgbClr val="888888"/>
-                </a:solidFill>
-                <a:latin typeface="Calibri Light"/>
-                <a:cs typeface="Calibri Light"/>
-              </a:rPr>
-              <a:t>EVERIS.</a:t>
-            </a:r>
-            <a:r>
-              <a:rPr sz="950" spc="-55" dirty="0">
-                <a:solidFill>
-                  <a:srgbClr val="888888"/>
-                </a:solidFill>
-                <a:latin typeface="Calibri Light"/>
-                <a:cs typeface="Calibri Light"/>
-              </a:rPr>
-              <a:t> </a:t>
-            </a:r>
-            <a:r>
-              <a:rPr sz="950" dirty="0">
-                <a:solidFill>
-                  <a:srgbClr val="888888"/>
-                </a:solidFill>
-                <a:latin typeface="Calibri Light"/>
-                <a:cs typeface="Calibri Light"/>
-              </a:rPr>
-              <a:t>ALL</a:t>
-            </a:r>
-            <a:r>
-              <a:rPr sz="950" spc="-25" dirty="0">
-                <a:solidFill>
-                  <a:srgbClr val="888888"/>
-                </a:solidFill>
-                <a:latin typeface="Calibri Light"/>
-                <a:cs typeface="Calibri Light"/>
-              </a:rPr>
-              <a:t> </a:t>
-            </a:r>
-            <a:r>
-              <a:rPr sz="950" dirty="0">
-                <a:solidFill>
-                  <a:srgbClr val="888888"/>
-                </a:solidFill>
-                <a:latin typeface="Calibri Light"/>
-                <a:cs typeface="Calibri Light"/>
-              </a:rPr>
-              <a:t>RIGHTS</a:t>
-            </a:r>
-            <a:r>
-              <a:rPr sz="950" spc="-30" dirty="0">
-                <a:solidFill>
-                  <a:srgbClr val="888888"/>
-                </a:solidFill>
-                <a:latin typeface="Calibri Light"/>
-                <a:cs typeface="Calibri Light"/>
-              </a:rPr>
-              <a:t> </a:t>
-            </a:r>
-            <a:r>
-              <a:rPr sz="950" dirty="0">
-                <a:solidFill>
-                  <a:srgbClr val="888888"/>
-                </a:solidFill>
-                <a:latin typeface="Calibri Light"/>
-                <a:cs typeface="Calibri Light"/>
-              </a:rPr>
-              <a:t>RESERVED.</a:t>
-            </a:r>
-            <a:endParaRPr sz="950">
-              <a:latin typeface="Calibri Light"/>
-              <a:cs typeface="Calibri Light"/>
-            </a:endParaRPr>
-          </a:p>
-        </p:txBody>
-      </p:sp>
-      <p:sp>
-        <p:nvSpPr>
-          <p:cNvPr id="3" name="object 3"/>
-          <p:cNvSpPr txBox="1">
-            <a:spLocks noGrp="1"/>
-          </p:cNvSpPr>
-          <p:nvPr>
-            <p:ph type="title"/>
-          </p:nvPr>
-        </p:nvSpPr>
-        <p:spPr>
-          <a:xfrm>
-            <a:off x="4657725" y="217106"/>
-            <a:ext cx="2580640" cy="559435"/>
-          </a:xfrm>
-          <a:prstGeom prst="rect">
-            <a:avLst/>
-          </a:prstGeom>
-        </p:spPr>
-        <p:txBody>
-          <a:bodyPr vert="horz" wrap="square" lIns="0" tIns="12700" rIns="0" bIns="0" rtlCol="0">
-            <a:spAutoFit/>
-          </a:bodyPr>
-          <a:lstStyle/>
-          <a:p>
-            <a:pPr marL="12700">
-              <a:lnSpc>
-                <a:spcPct val="100000"/>
-              </a:lnSpc>
-              <a:spcBef>
-                <a:spcPts val="100"/>
-              </a:spcBef>
-            </a:pPr>
-            <a:r>
-              <a:rPr sz="3500" spc="-120" dirty="0">
-                <a:solidFill>
-                  <a:srgbClr val="0F2225"/>
-                </a:solidFill>
-                <a:latin typeface="Calibri"/>
-                <a:cs typeface="Calibri"/>
-              </a:rPr>
-              <a:t>M</a:t>
-            </a:r>
-            <a:r>
-              <a:rPr sz="3500" spc="-195" dirty="0">
-                <a:solidFill>
-                  <a:srgbClr val="0F2225"/>
-                </a:solidFill>
-                <a:latin typeface="Calibri"/>
-                <a:cs typeface="Calibri"/>
-              </a:rPr>
-              <a:t>L</a:t>
-            </a:r>
-            <a:r>
-              <a:rPr sz="3500" spc="-120" dirty="0">
-                <a:solidFill>
-                  <a:srgbClr val="0F2225"/>
-                </a:solidFill>
-                <a:latin typeface="Calibri"/>
-                <a:cs typeface="Calibri"/>
-              </a:rPr>
-              <a:t>O</a:t>
-            </a:r>
-            <a:r>
-              <a:rPr sz="3500" spc="-130" dirty="0">
-                <a:solidFill>
-                  <a:srgbClr val="0F2225"/>
-                </a:solidFill>
-                <a:latin typeface="Calibri"/>
-                <a:cs typeface="Calibri"/>
-              </a:rPr>
-              <a:t>P</a:t>
-            </a:r>
-            <a:r>
-              <a:rPr sz="3500" dirty="0">
-                <a:solidFill>
-                  <a:srgbClr val="0F2225"/>
-                </a:solidFill>
-                <a:latin typeface="Calibri"/>
-                <a:cs typeface="Calibri"/>
-              </a:rPr>
-              <a:t>S</a:t>
-            </a:r>
-            <a:r>
-              <a:rPr sz="3500" spc="-240" dirty="0">
-                <a:solidFill>
-                  <a:srgbClr val="0F2225"/>
-                </a:solidFill>
-                <a:latin typeface="Calibri"/>
-                <a:cs typeface="Calibri"/>
-              </a:rPr>
-              <a:t> </a:t>
-            </a:r>
-            <a:r>
-              <a:rPr sz="3500" dirty="0">
-                <a:solidFill>
-                  <a:srgbClr val="0F2225"/>
-                </a:solidFill>
-                <a:latin typeface="Calibri"/>
-                <a:cs typeface="Calibri"/>
-              </a:rPr>
-              <a:t>–</a:t>
-            </a:r>
-            <a:r>
-              <a:rPr sz="3500" spc="-260" dirty="0">
-                <a:solidFill>
-                  <a:srgbClr val="0F2225"/>
-                </a:solidFill>
-                <a:latin typeface="Calibri"/>
-                <a:cs typeface="Calibri"/>
-              </a:rPr>
-              <a:t> </a:t>
-            </a:r>
-            <a:r>
-              <a:rPr sz="3500" spc="-130" dirty="0">
-                <a:solidFill>
-                  <a:srgbClr val="0F2225"/>
-                </a:solidFill>
-                <a:latin typeface="Calibri"/>
-                <a:cs typeface="Calibri"/>
-              </a:rPr>
-              <a:t>C</a:t>
-            </a:r>
-            <a:r>
-              <a:rPr sz="3500" spc="-125" dirty="0">
-                <a:solidFill>
-                  <a:srgbClr val="0F2225"/>
-                </a:solidFill>
-                <a:latin typeface="Calibri"/>
-                <a:cs typeface="Calibri"/>
-              </a:rPr>
-              <a:t>I</a:t>
-            </a:r>
-            <a:r>
-              <a:rPr sz="3500" spc="-114" dirty="0">
-                <a:solidFill>
-                  <a:srgbClr val="0F2225"/>
-                </a:solidFill>
-                <a:latin typeface="Calibri"/>
-                <a:cs typeface="Calibri"/>
-              </a:rPr>
-              <a:t>/</a:t>
-            </a:r>
-            <a:r>
-              <a:rPr sz="3500" spc="-130" dirty="0">
-                <a:solidFill>
-                  <a:srgbClr val="0F2225"/>
-                </a:solidFill>
-                <a:latin typeface="Calibri"/>
-                <a:cs typeface="Calibri"/>
-              </a:rPr>
-              <a:t>C</a:t>
-            </a:r>
-            <a:r>
-              <a:rPr sz="3500" dirty="0">
-                <a:solidFill>
-                  <a:srgbClr val="0F2225"/>
-                </a:solidFill>
-                <a:latin typeface="Calibri"/>
-                <a:cs typeface="Calibri"/>
-              </a:rPr>
-              <a:t>D</a:t>
-            </a:r>
-            <a:endParaRPr sz="3500">
-              <a:latin typeface="Calibri"/>
-              <a:cs typeface="Calibri"/>
-            </a:endParaRPr>
-          </a:p>
-        </p:txBody>
-      </p:sp>
-      <p:sp>
-        <p:nvSpPr>
-          <p:cNvPr id="4" name="object 4"/>
-          <p:cNvSpPr/>
-          <p:nvPr/>
-        </p:nvSpPr>
-        <p:spPr>
-          <a:xfrm>
-            <a:off x="0" y="1137919"/>
-            <a:ext cx="12192000" cy="0"/>
-          </a:xfrm>
-          <a:custGeom>
-            <a:avLst/>
-            <a:gdLst/>
-            <a:ahLst/>
-            <a:cxnLst/>
-            <a:rect l="l" t="t" r="r" b="b"/>
-            <a:pathLst>
-              <a:path w="12192000">
-                <a:moveTo>
-                  <a:pt x="0" y="0"/>
-                </a:moveTo>
-                <a:lnTo>
-                  <a:pt x="12192000" y="0"/>
-                </a:lnTo>
-              </a:path>
-            </a:pathLst>
-          </a:custGeom>
-          <a:ln w="19050">
-            <a:solidFill>
-              <a:srgbClr val="318E9F"/>
-            </a:solidFill>
-          </a:ln>
-        </p:spPr>
-        <p:txBody>
-          <a:bodyPr wrap="square" lIns="0" tIns="0" rIns="0" bIns="0" rtlCol="0"/>
-          <a:lstStyle/>
-          <a:p>
-            <a:endParaRPr/>
-          </a:p>
-        </p:txBody>
-      </p:sp>
-      <p:grpSp>
-        <p:nvGrpSpPr>
-          <p:cNvPr id="5" name="object 5"/>
-          <p:cNvGrpSpPr/>
-          <p:nvPr/>
-        </p:nvGrpSpPr>
-        <p:grpSpPr>
-          <a:xfrm>
-            <a:off x="8148637" y="1247457"/>
-            <a:ext cx="3804285" cy="5577205"/>
-            <a:chOff x="8148637" y="1247457"/>
-            <a:chExt cx="3804285" cy="5577205"/>
-          </a:xfrm>
-        </p:grpSpPr>
-        <p:pic>
-          <p:nvPicPr>
-            <p:cNvPr id="6" name="object 6"/>
-            <p:cNvPicPr/>
-            <p:nvPr/>
-          </p:nvPicPr>
-          <p:blipFill>
-            <a:blip r:embed="rId2" cstate="print"/>
-            <a:stretch>
-              <a:fillRect/>
-            </a:stretch>
-          </p:blipFill>
-          <p:spPr>
-            <a:xfrm>
-              <a:off x="8153400" y="1252219"/>
-              <a:ext cx="3794759" cy="5567678"/>
-            </a:xfrm>
-            <a:prstGeom prst="rect">
-              <a:avLst/>
-            </a:prstGeom>
-          </p:spPr>
-        </p:pic>
-        <p:sp>
-          <p:nvSpPr>
-            <p:cNvPr id="7" name="object 7"/>
-            <p:cNvSpPr/>
-            <p:nvPr/>
-          </p:nvSpPr>
-          <p:spPr>
-            <a:xfrm>
-              <a:off x="8153400" y="1252219"/>
-              <a:ext cx="3794760" cy="5567680"/>
-            </a:xfrm>
-            <a:custGeom>
-              <a:avLst/>
-              <a:gdLst/>
-              <a:ahLst/>
-              <a:cxnLst/>
-              <a:rect l="l" t="t" r="r" b="b"/>
-              <a:pathLst>
-                <a:path w="3794759" h="5567680">
-                  <a:moveTo>
-                    <a:pt x="0" y="632459"/>
-                  </a:moveTo>
-                  <a:lnTo>
-                    <a:pt x="1735" y="585264"/>
-                  </a:lnTo>
-                  <a:lnTo>
-                    <a:pt x="6858" y="539010"/>
-                  </a:lnTo>
-                  <a:lnTo>
-                    <a:pt x="15248" y="493819"/>
-                  </a:lnTo>
-                  <a:lnTo>
-                    <a:pt x="26781" y="449814"/>
-                  </a:lnTo>
-                  <a:lnTo>
-                    <a:pt x="41336" y="407117"/>
-                  </a:lnTo>
-                  <a:lnTo>
-                    <a:pt x="58790" y="365851"/>
-                  </a:lnTo>
-                  <a:lnTo>
-                    <a:pt x="79020" y="326138"/>
-                  </a:lnTo>
-                  <a:lnTo>
-                    <a:pt x="101905" y="288100"/>
-                  </a:lnTo>
-                  <a:lnTo>
-                    <a:pt x="127321" y="251859"/>
-                  </a:lnTo>
-                  <a:lnTo>
-                    <a:pt x="155148" y="217539"/>
-                  </a:lnTo>
-                  <a:lnTo>
-                    <a:pt x="185261" y="185261"/>
-                  </a:lnTo>
-                  <a:lnTo>
-                    <a:pt x="217539" y="155148"/>
-                  </a:lnTo>
-                  <a:lnTo>
-                    <a:pt x="251859" y="127321"/>
-                  </a:lnTo>
-                  <a:lnTo>
-                    <a:pt x="288100" y="101905"/>
-                  </a:lnTo>
-                  <a:lnTo>
-                    <a:pt x="326138" y="79020"/>
-                  </a:lnTo>
-                  <a:lnTo>
-                    <a:pt x="365851" y="58790"/>
-                  </a:lnTo>
-                  <a:lnTo>
-                    <a:pt x="407117" y="41336"/>
-                  </a:lnTo>
-                  <a:lnTo>
-                    <a:pt x="449814" y="26781"/>
-                  </a:lnTo>
-                  <a:lnTo>
-                    <a:pt x="493819" y="15248"/>
-                  </a:lnTo>
-                  <a:lnTo>
-                    <a:pt x="539010" y="6858"/>
-                  </a:lnTo>
-                  <a:lnTo>
-                    <a:pt x="585264" y="1735"/>
-                  </a:lnTo>
-                  <a:lnTo>
-                    <a:pt x="632459" y="0"/>
-                  </a:lnTo>
-                  <a:lnTo>
-                    <a:pt x="3162300" y="0"/>
-                  </a:lnTo>
-                  <a:lnTo>
-                    <a:pt x="3209495" y="1735"/>
-                  </a:lnTo>
-                  <a:lnTo>
-                    <a:pt x="3255749" y="6858"/>
-                  </a:lnTo>
-                  <a:lnTo>
-                    <a:pt x="3300940" y="15248"/>
-                  </a:lnTo>
-                  <a:lnTo>
-                    <a:pt x="3344945" y="26781"/>
-                  </a:lnTo>
-                  <a:lnTo>
-                    <a:pt x="3387642" y="41336"/>
-                  </a:lnTo>
-                  <a:lnTo>
-                    <a:pt x="3428908" y="58790"/>
-                  </a:lnTo>
-                  <a:lnTo>
-                    <a:pt x="3468621" y="79020"/>
-                  </a:lnTo>
-                  <a:lnTo>
-                    <a:pt x="3506659" y="101905"/>
-                  </a:lnTo>
-                  <a:lnTo>
-                    <a:pt x="3542900" y="127321"/>
-                  </a:lnTo>
-                  <a:lnTo>
-                    <a:pt x="3577220" y="155148"/>
-                  </a:lnTo>
-                  <a:lnTo>
-                    <a:pt x="3609498" y="185261"/>
-                  </a:lnTo>
-                  <a:lnTo>
-                    <a:pt x="3639611" y="217539"/>
-                  </a:lnTo>
-                  <a:lnTo>
-                    <a:pt x="3667438" y="251859"/>
-                  </a:lnTo>
-                  <a:lnTo>
-                    <a:pt x="3692854" y="288100"/>
-                  </a:lnTo>
-                  <a:lnTo>
-                    <a:pt x="3715739" y="326138"/>
-                  </a:lnTo>
-                  <a:lnTo>
-                    <a:pt x="3735969" y="365851"/>
-                  </a:lnTo>
-                  <a:lnTo>
-                    <a:pt x="3753423" y="407117"/>
-                  </a:lnTo>
-                  <a:lnTo>
-                    <a:pt x="3767978" y="449814"/>
-                  </a:lnTo>
-                  <a:lnTo>
-                    <a:pt x="3779511" y="493819"/>
-                  </a:lnTo>
-                  <a:lnTo>
-                    <a:pt x="3787901" y="539010"/>
-                  </a:lnTo>
-                  <a:lnTo>
-                    <a:pt x="3793024" y="585264"/>
-                  </a:lnTo>
-                  <a:lnTo>
-                    <a:pt x="3794759" y="632459"/>
-                  </a:lnTo>
-                  <a:lnTo>
-                    <a:pt x="3794759" y="4935207"/>
-                  </a:lnTo>
-                  <a:lnTo>
-                    <a:pt x="3793024" y="4982408"/>
-                  </a:lnTo>
-                  <a:lnTo>
-                    <a:pt x="3787901" y="5028668"/>
-                  </a:lnTo>
-                  <a:lnTo>
-                    <a:pt x="3779511" y="5073863"/>
-                  </a:lnTo>
-                  <a:lnTo>
-                    <a:pt x="3767978" y="5117872"/>
-                  </a:lnTo>
-                  <a:lnTo>
-                    <a:pt x="3753423" y="5160571"/>
-                  </a:lnTo>
-                  <a:lnTo>
-                    <a:pt x="3735969" y="5201839"/>
-                  </a:lnTo>
-                  <a:lnTo>
-                    <a:pt x="3715739" y="5241554"/>
-                  </a:lnTo>
-                  <a:lnTo>
-                    <a:pt x="3692854" y="5279593"/>
-                  </a:lnTo>
-                  <a:lnTo>
-                    <a:pt x="3667438" y="5315833"/>
-                  </a:lnTo>
-                  <a:lnTo>
-                    <a:pt x="3639611" y="5350153"/>
-                  </a:lnTo>
-                  <a:lnTo>
-                    <a:pt x="3609498" y="5382430"/>
-                  </a:lnTo>
-                  <a:lnTo>
-                    <a:pt x="3577220" y="5412542"/>
-                  </a:lnTo>
-                  <a:lnTo>
-                    <a:pt x="3542900" y="5440367"/>
-                  </a:lnTo>
-                  <a:lnTo>
-                    <a:pt x="3506659" y="5465782"/>
-                  </a:lnTo>
-                  <a:lnTo>
-                    <a:pt x="3468621" y="5488665"/>
-                  </a:lnTo>
-                  <a:lnTo>
-                    <a:pt x="3428908" y="5508894"/>
-                  </a:lnTo>
-                  <a:lnTo>
-                    <a:pt x="3387642" y="5526346"/>
-                  </a:lnTo>
-                  <a:lnTo>
-                    <a:pt x="3344945" y="5540900"/>
-                  </a:lnTo>
-                  <a:lnTo>
-                    <a:pt x="3300940" y="5552432"/>
-                  </a:lnTo>
-                  <a:lnTo>
-                    <a:pt x="3255749" y="5560821"/>
-                  </a:lnTo>
-                  <a:lnTo>
-                    <a:pt x="3209495" y="5565943"/>
-                  </a:lnTo>
-                  <a:lnTo>
-                    <a:pt x="3162300" y="5567678"/>
-                  </a:lnTo>
-                  <a:lnTo>
-                    <a:pt x="632459" y="5567678"/>
-                  </a:lnTo>
-                  <a:lnTo>
-                    <a:pt x="585264" y="5565943"/>
-                  </a:lnTo>
-                  <a:lnTo>
-                    <a:pt x="539010" y="5560821"/>
-                  </a:lnTo>
-                  <a:lnTo>
-                    <a:pt x="493819" y="5552432"/>
-                  </a:lnTo>
-                  <a:lnTo>
-                    <a:pt x="449814" y="5540900"/>
-                  </a:lnTo>
-                  <a:lnTo>
-                    <a:pt x="407117" y="5526346"/>
-                  </a:lnTo>
-                  <a:lnTo>
-                    <a:pt x="365851" y="5508894"/>
-                  </a:lnTo>
-                  <a:lnTo>
-                    <a:pt x="326138" y="5488665"/>
-                  </a:lnTo>
-                  <a:lnTo>
-                    <a:pt x="288100" y="5465782"/>
-                  </a:lnTo>
-                  <a:lnTo>
-                    <a:pt x="251859" y="5440367"/>
-                  </a:lnTo>
-                  <a:lnTo>
-                    <a:pt x="217539" y="5412542"/>
-                  </a:lnTo>
-                  <a:lnTo>
-                    <a:pt x="185261" y="5382430"/>
-                  </a:lnTo>
-                  <a:lnTo>
-                    <a:pt x="155148" y="5350153"/>
-                  </a:lnTo>
-                  <a:lnTo>
-                    <a:pt x="127321" y="5315833"/>
-                  </a:lnTo>
-                  <a:lnTo>
-                    <a:pt x="101905" y="5279593"/>
-                  </a:lnTo>
-                  <a:lnTo>
-                    <a:pt x="79020" y="5241554"/>
-                  </a:lnTo>
-                  <a:lnTo>
-                    <a:pt x="58790" y="5201839"/>
-                  </a:lnTo>
-                  <a:lnTo>
-                    <a:pt x="41336" y="5160571"/>
-                  </a:lnTo>
-                  <a:lnTo>
-                    <a:pt x="26781" y="5117872"/>
-                  </a:lnTo>
-                  <a:lnTo>
-                    <a:pt x="15248" y="5073863"/>
-                  </a:lnTo>
-                  <a:lnTo>
-                    <a:pt x="6858" y="5028668"/>
-                  </a:lnTo>
-                  <a:lnTo>
-                    <a:pt x="1735" y="4982408"/>
-                  </a:lnTo>
-                  <a:lnTo>
-                    <a:pt x="0" y="4935207"/>
-                  </a:lnTo>
-                  <a:lnTo>
-                    <a:pt x="0" y="632459"/>
-                  </a:lnTo>
-                  <a:close/>
-                </a:path>
-              </a:pathLst>
-            </a:custGeom>
-            <a:ln w="9524">
-              <a:solidFill>
-                <a:srgbClr val="50B4C7"/>
-              </a:solidFill>
-            </a:ln>
-          </p:spPr>
-          <p:txBody>
-            <a:bodyPr wrap="square" lIns="0" tIns="0" rIns="0" bIns="0" rtlCol="0"/>
-            <a:lstStyle/>
-            <a:p>
-              <a:endParaRPr/>
-            </a:p>
-          </p:txBody>
-        </p:sp>
-      </p:grpSp>
-      <p:sp>
-        <p:nvSpPr>
-          <p:cNvPr id="8" name="object 8"/>
-          <p:cNvSpPr txBox="1"/>
-          <p:nvPr/>
-        </p:nvSpPr>
-        <p:spPr>
-          <a:xfrm>
-            <a:off x="8419210" y="1814448"/>
-            <a:ext cx="3274060" cy="1123315"/>
-          </a:xfrm>
-          <a:prstGeom prst="rect">
-            <a:avLst/>
-          </a:prstGeom>
-        </p:spPr>
-        <p:txBody>
-          <a:bodyPr vert="horz" wrap="square" lIns="0" tIns="12700" rIns="0" bIns="0" rtlCol="0">
-            <a:spAutoFit/>
-          </a:bodyPr>
-          <a:lstStyle/>
-          <a:p>
-            <a:pPr marL="12700" marR="5080" algn="just">
-              <a:lnSpc>
-                <a:spcPct val="100000"/>
-              </a:lnSpc>
-              <a:spcBef>
-                <a:spcPts val="100"/>
-              </a:spcBef>
-            </a:pPr>
-            <a:r>
-              <a:rPr sz="1800" spc="-25" dirty="0">
-                <a:latin typeface="Calibri Light"/>
-                <a:cs typeface="Calibri Light"/>
-              </a:rPr>
-              <a:t>Arquitectura</a:t>
-            </a:r>
-            <a:r>
-              <a:rPr sz="1800" spc="-20" dirty="0">
-                <a:latin typeface="Calibri Light"/>
-                <a:cs typeface="Calibri Light"/>
-              </a:rPr>
-              <a:t> </a:t>
-            </a:r>
-            <a:r>
-              <a:rPr sz="1800" spc="-10" dirty="0">
-                <a:latin typeface="Calibri Light"/>
-                <a:cs typeface="Calibri Light"/>
-              </a:rPr>
-              <a:t>de</a:t>
-            </a:r>
-            <a:r>
-              <a:rPr sz="1800" spc="-5" dirty="0">
-                <a:latin typeface="Calibri Light"/>
-                <a:cs typeface="Calibri Light"/>
-              </a:rPr>
-              <a:t> </a:t>
-            </a:r>
-            <a:r>
-              <a:rPr sz="1800" spc="-30" dirty="0">
-                <a:latin typeface="Calibri Light"/>
-                <a:cs typeface="Calibri Light"/>
-              </a:rPr>
-              <a:t>MLOps</a:t>
-            </a:r>
-            <a:r>
-              <a:rPr sz="1800" spc="-25" dirty="0">
-                <a:latin typeface="Calibri Light"/>
-                <a:cs typeface="Calibri Light"/>
-              </a:rPr>
-              <a:t> </a:t>
-            </a:r>
-            <a:r>
-              <a:rPr sz="1800" spc="-20" dirty="0">
-                <a:latin typeface="Calibri Light"/>
-                <a:cs typeface="Calibri Light"/>
-              </a:rPr>
-              <a:t>para</a:t>
-            </a:r>
-            <a:r>
-              <a:rPr sz="1800" spc="370" dirty="0">
-                <a:latin typeface="Calibri Light"/>
-                <a:cs typeface="Calibri Light"/>
-              </a:rPr>
-              <a:t> </a:t>
-            </a:r>
-            <a:r>
-              <a:rPr sz="1800" dirty="0">
-                <a:latin typeface="Calibri Light"/>
-                <a:cs typeface="Calibri Light"/>
-              </a:rPr>
-              <a:t>la </a:t>
-            </a:r>
-            <a:r>
-              <a:rPr sz="1800" spc="5" dirty="0">
-                <a:latin typeface="Calibri Light"/>
-                <a:cs typeface="Calibri Light"/>
-              </a:rPr>
-              <a:t> </a:t>
-            </a:r>
-            <a:r>
-              <a:rPr sz="1800" spc="-20" dirty="0">
-                <a:latin typeface="Calibri Light"/>
-                <a:cs typeface="Calibri Light"/>
-              </a:rPr>
-              <a:t>operacionalización</a:t>
-            </a:r>
-            <a:r>
-              <a:rPr sz="1800" spc="-15" dirty="0">
-                <a:latin typeface="Calibri Light"/>
-                <a:cs typeface="Calibri Light"/>
-              </a:rPr>
-              <a:t> </a:t>
-            </a:r>
-            <a:r>
-              <a:rPr sz="1800" spc="-10" dirty="0">
-                <a:latin typeface="Calibri Light"/>
-                <a:cs typeface="Calibri Light"/>
-              </a:rPr>
-              <a:t>de</a:t>
-            </a:r>
-            <a:r>
-              <a:rPr sz="1800" spc="-5" dirty="0">
-                <a:latin typeface="Calibri Light"/>
-                <a:cs typeface="Calibri Light"/>
-              </a:rPr>
-              <a:t> </a:t>
-            </a:r>
-            <a:r>
-              <a:rPr sz="1800" spc="-15" dirty="0">
-                <a:latin typeface="Calibri Light"/>
-                <a:cs typeface="Calibri Light"/>
-              </a:rPr>
-              <a:t>aplicaciones </a:t>
-            </a:r>
-            <a:r>
-              <a:rPr sz="1800" spc="-395" dirty="0">
-                <a:latin typeface="Calibri Light"/>
-                <a:cs typeface="Calibri Light"/>
-              </a:rPr>
-              <a:t> </a:t>
-            </a:r>
-            <a:r>
-              <a:rPr sz="1800" dirty="0">
-                <a:latin typeface="Calibri Light"/>
-                <a:cs typeface="Calibri Light"/>
-              </a:rPr>
-              <a:t>de</a:t>
-            </a:r>
-            <a:r>
-              <a:rPr sz="1800" spc="-65" dirty="0">
-                <a:latin typeface="Calibri Light"/>
-                <a:cs typeface="Calibri Light"/>
-              </a:rPr>
-              <a:t> </a:t>
-            </a:r>
-            <a:r>
-              <a:rPr sz="1800" dirty="0">
-                <a:latin typeface="Calibri Light"/>
-                <a:cs typeface="Calibri Light"/>
-              </a:rPr>
-              <a:t>ML:</a:t>
-            </a:r>
-            <a:endParaRPr sz="1800">
-              <a:latin typeface="Calibri Light"/>
-              <a:cs typeface="Calibri Light"/>
-            </a:endParaRPr>
-          </a:p>
-          <a:p>
-            <a:pPr marL="12700">
-              <a:lnSpc>
-                <a:spcPct val="100000"/>
-              </a:lnSpc>
-              <a:tabLst>
-                <a:tab pos="354965" algn="l"/>
-              </a:tabLst>
-            </a:pPr>
-            <a:r>
-              <a:rPr sz="1800" dirty="0">
-                <a:latin typeface="Calibri Light"/>
-                <a:cs typeface="Calibri Light"/>
-              </a:rPr>
-              <a:t>1.	En</a:t>
-            </a:r>
-            <a:r>
-              <a:rPr sz="1800" spc="300" dirty="0">
-                <a:latin typeface="Calibri Light"/>
-                <a:cs typeface="Calibri Light"/>
-              </a:rPr>
-              <a:t> </a:t>
-            </a:r>
-            <a:r>
-              <a:rPr sz="1800" spc="-10" dirty="0">
-                <a:latin typeface="Calibri Light"/>
-                <a:cs typeface="Calibri Light"/>
-              </a:rPr>
-              <a:t>caso</a:t>
-            </a:r>
-            <a:r>
-              <a:rPr sz="1800" spc="315" dirty="0">
-                <a:latin typeface="Calibri Light"/>
-                <a:cs typeface="Calibri Light"/>
-              </a:rPr>
-              <a:t> </a:t>
-            </a:r>
-            <a:r>
-              <a:rPr sz="1800" spc="10" dirty="0">
-                <a:latin typeface="Calibri Light"/>
-                <a:cs typeface="Calibri Light"/>
-              </a:rPr>
-              <a:t>se</a:t>
-            </a:r>
-            <a:r>
-              <a:rPr sz="1800" spc="305" dirty="0">
-                <a:latin typeface="Calibri Light"/>
-                <a:cs typeface="Calibri Light"/>
-              </a:rPr>
-              <a:t> </a:t>
-            </a:r>
-            <a:r>
-              <a:rPr sz="1800" dirty="0">
-                <a:latin typeface="Calibri Light"/>
-                <a:cs typeface="Calibri Light"/>
-              </a:rPr>
-              <a:t>desee</a:t>
-            </a:r>
-            <a:r>
-              <a:rPr sz="1800" spc="305" dirty="0">
-                <a:latin typeface="Calibri Light"/>
-                <a:cs typeface="Calibri Light"/>
-              </a:rPr>
-              <a:t> </a:t>
-            </a:r>
-            <a:r>
-              <a:rPr sz="1800" spc="-5" dirty="0">
-                <a:latin typeface="Calibri Light"/>
-                <a:cs typeface="Calibri Light"/>
-              </a:rPr>
-              <a:t>actualizar</a:t>
-            </a:r>
-            <a:r>
-              <a:rPr sz="1800" spc="300" dirty="0">
-                <a:latin typeface="Calibri Light"/>
-                <a:cs typeface="Calibri Light"/>
-              </a:rPr>
-              <a:t> </a:t>
-            </a:r>
-            <a:r>
-              <a:rPr sz="1800" spc="20" dirty="0">
-                <a:latin typeface="Calibri Light"/>
-                <a:cs typeface="Calibri Light"/>
-              </a:rPr>
-              <a:t>la</a:t>
-            </a:r>
-            <a:endParaRPr sz="1800">
-              <a:latin typeface="Calibri Light"/>
-              <a:cs typeface="Calibri Light"/>
-            </a:endParaRPr>
-          </a:p>
-        </p:txBody>
-      </p:sp>
-      <p:sp>
-        <p:nvSpPr>
-          <p:cNvPr id="9" name="object 9"/>
-          <p:cNvSpPr txBox="1"/>
-          <p:nvPr/>
-        </p:nvSpPr>
-        <p:spPr>
-          <a:xfrm>
-            <a:off x="8762110" y="2911792"/>
-            <a:ext cx="990600" cy="300355"/>
-          </a:xfrm>
-          <a:prstGeom prst="rect">
-            <a:avLst/>
-          </a:prstGeom>
-        </p:spPr>
-        <p:txBody>
-          <a:bodyPr vert="horz" wrap="square" lIns="0" tIns="12700" rIns="0" bIns="0" rtlCol="0">
-            <a:spAutoFit/>
-          </a:bodyPr>
-          <a:lstStyle/>
-          <a:p>
-            <a:pPr marL="12700">
-              <a:lnSpc>
-                <a:spcPct val="100000"/>
-              </a:lnSpc>
-              <a:spcBef>
-                <a:spcPts val="100"/>
-              </a:spcBef>
-              <a:tabLst>
-                <a:tab pos="744220" algn="l"/>
-              </a:tabLst>
-            </a:pPr>
-            <a:r>
-              <a:rPr sz="1800" dirty="0">
-                <a:latin typeface="Calibri Light"/>
-                <a:cs typeface="Calibri Light"/>
-              </a:rPr>
-              <a:t>lógi</a:t>
-            </a:r>
-            <a:r>
-              <a:rPr sz="1800" spc="-30" dirty="0">
-                <a:latin typeface="Calibri Light"/>
-                <a:cs typeface="Calibri Light"/>
-              </a:rPr>
-              <a:t>c</a:t>
-            </a:r>
-            <a:r>
-              <a:rPr sz="1800" dirty="0">
-                <a:latin typeface="Calibri Light"/>
-                <a:cs typeface="Calibri Light"/>
-              </a:rPr>
-              <a:t>a	de</a:t>
-            </a:r>
-            <a:endParaRPr sz="1800">
-              <a:latin typeface="Calibri Light"/>
-              <a:cs typeface="Calibri Light"/>
-            </a:endParaRPr>
-          </a:p>
-        </p:txBody>
-      </p:sp>
-      <p:sp>
-        <p:nvSpPr>
-          <p:cNvPr id="10" name="object 10"/>
-          <p:cNvSpPr txBox="1"/>
-          <p:nvPr/>
-        </p:nvSpPr>
-        <p:spPr>
-          <a:xfrm>
-            <a:off x="9813925" y="3735006"/>
-            <a:ext cx="1438910" cy="300355"/>
-          </a:xfrm>
-          <a:prstGeom prst="rect">
-            <a:avLst/>
-          </a:prstGeom>
-        </p:spPr>
-        <p:txBody>
-          <a:bodyPr vert="horz" wrap="square" lIns="0" tIns="12700" rIns="0" bIns="0" rtlCol="0">
-            <a:spAutoFit/>
-          </a:bodyPr>
-          <a:lstStyle/>
-          <a:p>
-            <a:pPr marL="12700">
-              <a:lnSpc>
-                <a:spcPct val="100000"/>
-              </a:lnSpc>
-              <a:spcBef>
-                <a:spcPts val="100"/>
-              </a:spcBef>
-              <a:tabLst>
-                <a:tab pos="342265" algn="l"/>
-                <a:tab pos="1196340" algn="l"/>
-              </a:tabLst>
-            </a:pPr>
-            <a:r>
-              <a:rPr sz="1800" dirty="0">
-                <a:latin typeface="Calibri Light"/>
-                <a:cs typeface="Calibri Light"/>
-              </a:rPr>
-              <a:t>la	</a:t>
-            </a:r>
-            <a:r>
-              <a:rPr sz="1800" spc="20" dirty="0">
-                <a:latin typeface="Calibri Light"/>
-                <a:cs typeface="Calibri Light"/>
-              </a:rPr>
-              <a:t>i</a:t>
-            </a:r>
-            <a:r>
-              <a:rPr sz="1800" spc="-10" dirty="0">
-                <a:latin typeface="Calibri Light"/>
-                <a:cs typeface="Calibri Light"/>
-              </a:rPr>
-              <a:t>m</a:t>
-            </a:r>
-            <a:r>
-              <a:rPr sz="1800" spc="5" dirty="0">
-                <a:latin typeface="Calibri Light"/>
-                <a:cs typeface="Calibri Light"/>
-              </a:rPr>
-              <a:t>a</a:t>
-            </a:r>
-            <a:r>
-              <a:rPr sz="1800" spc="-25" dirty="0">
-                <a:latin typeface="Calibri Light"/>
-                <a:cs typeface="Calibri Light"/>
-              </a:rPr>
-              <a:t>g</a:t>
-            </a:r>
-            <a:r>
-              <a:rPr sz="1800" spc="-15" dirty="0">
-                <a:latin typeface="Calibri Light"/>
-                <a:cs typeface="Calibri Light"/>
-              </a:rPr>
-              <a:t>e</a:t>
-            </a:r>
-            <a:r>
-              <a:rPr sz="1800" dirty="0">
-                <a:latin typeface="Calibri Light"/>
-                <a:cs typeface="Calibri Light"/>
-              </a:rPr>
-              <a:t>n	</a:t>
-            </a:r>
-            <a:r>
-              <a:rPr sz="1800" spc="-15" dirty="0">
-                <a:latin typeface="Calibri Light"/>
-                <a:cs typeface="Calibri Light"/>
-              </a:rPr>
-              <a:t>en</a:t>
-            </a:r>
-            <a:endParaRPr sz="1800">
-              <a:latin typeface="Calibri Light"/>
-              <a:cs typeface="Calibri Light"/>
-            </a:endParaRPr>
-          </a:p>
-        </p:txBody>
-      </p:sp>
-      <p:sp>
-        <p:nvSpPr>
-          <p:cNvPr id="11" name="object 11"/>
-          <p:cNvSpPr txBox="1"/>
-          <p:nvPr/>
-        </p:nvSpPr>
-        <p:spPr>
-          <a:xfrm>
-            <a:off x="9925684" y="2911792"/>
-            <a:ext cx="1760220" cy="1123315"/>
-          </a:xfrm>
-          <a:prstGeom prst="rect">
-            <a:avLst/>
-          </a:prstGeom>
-        </p:spPr>
-        <p:txBody>
-          <a:bodyPr vert="horz" wrap="square" lIns="0" tIns="12700" rIns="0" bIns="0" rtlCol="0">
-            <a:spAutoFit/>
-          </a:bodyPr>
-          <a:lstStyle/>
-          <a:p>
-            <a:pPr marL="55880" marR="5080" indent="-43180" algn="just">
-              <a:lnSpc>
-                <a:spcPct val="100000"/>
-              </a:lnSpc>
-              <a:spcBef>
-                <a:spcPts val="100"/>
-              </a:spcBef>
-            </a:pPr>
-            <a:r>
-              <a:rPr sz="1800" dirty="0">
-                <a:latin typeface="Calibri Light"/>
-                <a:cs typeface="Calibri Light"/>
-              </a:rPr>
-              <a:t>las   </a:t>
-            </a:r>
-            <a:r>
-              <a:rPr sz="1800" spc="-5" dirty="0">
-                <a:latin typeface="Calibri Light"/>
-                <a:cs typeface="Calibri Light"/>
-              </a:rPr>
-              <a:t>imágenes</a:t>
-            </a:r>
-            <a:r>
-              <a:rPr sz="1800" spc="795" dirty="0">
-                <a:latin typeface="Calibri Light"/>
-                <a:cs typeface="Calibri Light"/>
-              </a:rPr>
-              <a:t> </a:t>
-            </a:r>
-            <a:r>
-              <a:rPr sz="1800" dirty="0">
-                <a:latin typeface="Calibri Light"/>
-                <a:cs typeface="Calibri Light"/>
-              </a:rPr>
-              <a:t>se </a:t>
-            </a:r>
-            <a:r>
-              <a:rPr sz="1800" spc="5" dirty="0">
-                <a:latin typeface="Calibri Light"/>
-                <a:cs typeface="Calibri Light"/>
-              </a:rPr>
-              <a:t> </a:t>
-            </a:r>
-            <a:r>
-              <a:rPr sz="1800" dirty="0">
-                <a:latin typeface="Calibri Light"/>
-                <a:cs typeface="Calibri Light"/>
-              </a:rPr>
-              <a:t>a  </a:t>
-            </a:r>
-            <a:r>
-              <a:rPr sz="1800" spc="5" dirty="0">
-                <a:latin typeface="Calibri Light"/>
-                <a:cs typeface="Calibri Light"/>
-              </a:rPr>
-              <a:t> </a:t>
-            </a:r>
-            <a:r>
-              <a:rPr sz="1800" spc="-5" dirty="0">
-                <a:latin typeface="Calibri Light"/>
-                <a:cs typeface="Calibri Light"/>
-              </a:rPr>
-              <a:t>actualizar</a:t>
-            </a:r>
-            <a:r>
-              <a:rPr sz="1800" spc="800" dirty="0">
-                <a:latin typeface="Calibri Light"/>
-                <a:cs typeface="Calibri Light"/>
-              </a:rPr>
-              <a:t> </a:t>
-            </a:r>
-            <a:r>
-              <a:rPr sz="1800" spc="-10" dirty="0">
-                <a:latin typeface="Calibri Light"/>
-                <a:cs typeface="Calibri Light"/>
-              </a:rPr>
-              <a:t>el </a:t>
-            </a:r>
-            <a:r>
-              <a:rPr sz="1800" spc="-395" dirty="0">
-                <a:latin typeface="Calibri Light"/>
-                <a:cs typeface="Calibri Light"/>
-              </a:rPr>
-              <a:t> </a:t>
-            </a:r>
-            <a:r>
-              <a:rPr sz="1800" dirty="0">
-                <a:latin typeface="Calibri Light"/>
-                <a:cs typeface="Calibri Light"/>
-              </a:rPr>
-              <a:t>del</a:t>
-            </a:r>
-            <a:r>
-              <a:rPr sz="1800" spc="50" dirty="0">
-                <a:latin typeface="Calibri Light"/>
-                <a:cs typeface="Calibri Light"/>
-              </a:rPr>
-              <a:t> </a:t>
-            </a:r>
-            <a:r>
-              <a:rPr sz="1800" spc="-5" dirty="0">
-                <a:latin typeface="Calibri Light"/>
-                <a:cs typeface="Calibri Light"/>
-              </a:rPr>
-              <a:t>modelo</a:t>
-            </a:r>
-            <a:r>
-              <a:rPr sz="1800" spc="70" dirty="0">
-                <a:latin typeface="Calibri Light"/>
-                <a:cs typeface="Calibri Light"/>
-              </a:rPr>
-              <a:t> </a:t>
-            </a:r>
-            <a:r>
-              <a:rPr sz="1800" dirty="0">
-                <a:latin typeface="Calibri Light"/>
-                <a:cs typeface="Calibri Light"/>
-              </a:rPr>
-              <a:t>y</a:t>
-            </a:r>
-            <a:endParaRPr sz="1800">
-              <a:latin typeface="Calibri Light"/>
-              <a:cs typeface="Calibri Light"/>
-            </a:endParaRPr>
-          </a:p>
-          <a:p>
-            <a:pPr marR="6350" algn="r">
-              <a:lnSpc>
-                <a:spcPct val="100000"/>
-              </a:lnSpc>
-              <a:spcBef>
-                <a:spcPts val="5"/>
-              </a:spcBef>
-            </a:pPr>
-            <a:r>
-              <a:rPr sz="1800" dirty="0">
-                <a:latin typeface="Calibri Light"/>
-                <a:cs typeface="Calibri Light"/>
-              </a:rPr>
-              <a:t>los</a:t>
-            </a:r>
-            <a:endParaRPr sz="1800">
-              <a:latin typeface="Calibri Light"/>
-              <a:cs typeface="Calibri Light"/>
-            </a:endParaRPr>
-          </a:p>
-        </p:txBody>
-      </p:sp>
-      <p:sp>
-        <p:nvSpPr>
-          <p:cNvPr id="12" name="object 12"/>
-          <p:cNvSpPr txBox="1"/>
-          <p:nvPr/>
-        </p:nvSpPr>
-        <p:spPr>
-          <a:xfrm>
-            <a:off x="8762110" y="3186684"/>
-            <a:ext cx="1032510" cy="1123315"/>
-          </a:xfrm>
-          <a:prstGeom prst="rect">
-            <a:avLst/>
-          </a:prstGeom>
-        </p:spPr>
-        <p:txBody>
-          <a:bodyPr vert="horz" wrap="square" lIns="0" tIns="12700" rIns="0" bIns="0" rtlCol="0">
-            <a:spAutoFit/>
-          </a:bodyPr>
-          <a:lstStyle/>
-          <a:p>
-            <a:pPr marL="12700" marR="5080">
-              <a:lnSpc>
-                <a:spcPct val="100000"/>
-              </a:lnSpc>
-              <a:spcBef>
-                <a:spcPts val="100"/>
-              </a:spcBef>
-            </a:pPr>
-            <a:r>
-              <a:rPr sz="1800" spc="-15" dirty="0">
-                <a:latin typeface="Calibri Light"/>
-                <a:cs typeface="Calibri Light"/>
-              </a:rPr>
-              <a:t>procederá </a:t>
-            </a:r>
-            <a:r>
-              <a:rPr sz="1800" spc="-10" dirty="0">
-                <a:latin typeface="Calibri Light"/>
-                <a:cs typeface="Calibri Light"/>
-              </a:rPr>
-              <a:t> </a:t>
-            </a:r>
-            <a:r>
-              <a:rPr sz="1800" spc="-25" dirty="0">
-                <a:latin typeface="Calibri Light"/>
-                <a:cs typeface="Calibri Light"/>
-              </a:rPr>
-              <a:t>r</a:t>
-            </a:r>
-            <a:r>
-              <a:rPr sz="1800" spc="-10" dirty="0">
-                <a:latin typeface="Calibri Light"/>
-                <a:cs typeface="Calibri Light"/>
-              </a:rPr>
-              <a:t>e</a:t>
-            </a:r>
-            <a:r>
-              <a:rPr sz="1800" dirty="0">
-                <a:latin typeface="Calibri Light"/>
-                <a:cs typeface="Calibri Light"/>
-              </a:rPr>
-              <a:t>posi</a:t>
-            </a:r>
-            <a:r>
-              <a:rPr sz="1800" spc="-15" dirty="0">
-                <a:latin typeface="Calibri Light"/>
-                <a:cs typeface="Calibri Light"/>
-              </a:rPr>
-              <a:t>t</a:t>
-            </a:r>
-            <a:r>
-              <a:rPr sz="1800" spc="-5" dirty="0">
-                <a:latin typeface="Calibri Light"/>
-                <a:cs typeface="Calibri Light"/>
-              </a:rPr>
-              <a:t>orio  actualizar </a:t>
-            </a:r>
-            <a:r>
-              <a:rPr sz="1800" dirty="0">
-                <a:latin typeface="Calibri Light"/>
-                <a:cs typeface="Calibri Light"/>
-              </a:rPr>
-              <a:t> </a:t>
-            </a:r>
-            <a:r>
-              <a:rPr sz="1800" spc="-25" dirty="0">
-                <a:latin typeface="Calibri Light"/>
-                <a:cs typeface="Calibri Light"/>
-              </a:rPr>
-              <a:t>ECR’s.</a:t>
-            </a:r>
-            <a:endParaRPr sz="1800">
-              <a:latin typeface="Calibri Light"/>
-              <a:cs typeface="Calibri Light"/>
-            </a:endParaRPr>
-          </a:p>
-        </p:txBody>
-      </p:sp>
-      <p:sp>
-        <p:nvSpPr>
-          <p:cNvPr id="13" name="object 13"/>
-          <p:cNvSpPr txBox="1"/>
-          <p:nvPr/>
-        </p:nvSpPr>
-        <p:spPr>
-          <a:xfrm>
-            <a:off x="8419210" y="4284345"/>
-            <a:ext cx="1511300" cy="299720"/>
-          </a:xfrm>
-          <a:prstGeom prst="rect">
-            <a:avLst/>
-          </a:prstGeom>
-        </p:spPr>
-        <p:txBody>
-          <a:bodyPr vert="horz" wrap="square" lIns="0" tIns="12700" rIns="0" bIns="0" rtlCol="0">
-            <a:spAutoFit/>
-          </a:bodyPr>
-          <a:lstStyle/>
-          <a:p>
-            <a:pPr marL="12700">
-              <a:lnSpc>
-                <a:spcPct val="100000"/>
-              </a:lnSpc>
-              <a:spcBef>
-                <a:spcPts val="100"/>
-              </a:spcBef>
-              <a:tabLst>
-                <a:tab pos="354965" algn="l"/>
-                <a:tab pos="1089660" algn="l"/>
-              </a:tabLst>
-            </a:pPr>
-            <a:r>
-              <a:rPr sz="1800" spc="5" dirty="0">
-                <a:latin typeface="Calibri Light"/>
-                <a:cs typeface="Calibri Light"/>
-              </a:rPr>
-              <a:t>2</a:t>
-            </a:r>
-            <a:r>
-              <a:rPr sz="1800" dirty="0">
-                <a:latin typeface="Calibri Light"/>
-                <a:cs typeface="Calibri Light"/>
-              </a:rPr>
-              <a:t>.	En	</a:t>
-            </a:r>
-            <a:r>
-              <a:rPr sz="1800" spc="-30" dirty="0">
-                <a:latin typeface="Calibri Light"/>
-                <a:cs typeface="Calibri Light"/>
-              </a:rPr>
-              <a:t>c</a:t>
-            </a:r>
-            <a:r>
-              <a:rPr sz="1800" spc="-10" dirty="0">
-                <a:latin typeface="Calibri Light"/>
-                <a:cs typeface="Calibri Light"/>
-              </a:rPr>
-              <a:t>a</a:t>
-            </a:r>
-            <a:r>
-              <a:rPr sz="1800" dirty="0">
-                <a:latin typeface="Calibri Light"/>
-                <a:cs typeface="Calibri Light"/>
-              </a:rPr>
-              <a:t>so</a:t>
-            </a:r>
-            <a:endParaRPr sz="1800">
-              <a:latin typeface="Calibri Light"/>
-              <a:cs typeface="Calibri Light"/>
-            </a:endParaRPr>
-          </a:p>
-        </p:txBody>
-      </p:sp>
-      <p:sp>
-        <p:nvSpPr>
-          <p:cNvPr id="14" name="object 14"/>
-          <p:cNvSpPr txBox="1"/>
-          <p:nvPr/>
-        </p:nvSpPr>
-        <p:spPr>
-          <a:xfrm>
-            <a:off x="10408284" y="4284345"/>
-            <a:ext cx="227965" cy="299720"/>
-          </a:xfrm>
-          <a:prstGeom prst="rect">
-            <a:avLst/>
-          </a:prstGeom>
-        </p:spPr>
-        <p:txBody>
-          <a:bodyPr vert="horz" wrap="square" lIns="0" tIns="12700" rIns="0" bIns="0" rtlCol="0">
-            <a:spAutoFit/>
-          </a:bodyPr>
-          <a:lstStyle/>
-          <a:p>
-            <a:pPr marL="12700">
-              <a:lnSpc>
-                <a:spcPct val="100000"/>
-              </a:lnSpc>
-              <a:spcBef>
-                <a:spcPts val="100"/>
-              </a:spcBef>
-            </a:pPr>
-            <a:r>
-              <a:rPr sz="1800" dirty="0">
-                <a:latin typeface="Calibri Light"/>
-                <a:cs typeface="Calibri Light"/>
-              </a:rPr>
-              <a:t>se</a:t>
-            </a:r>
-            <a:endParaRPr sz="1800">
-              <a:latin typeface="Calibri Light"/>
-              <a:cs typeface="Calibri Light"/>
-            </a:endParaRPr>
-          </a:p>
-        </p:txBody>
-      </p:sp>
-      <p:sp>
-        <p:nvSpPr>
-          <p:cNvPr id="15" name="object 15"/>
-          <p:cNvSpPr txBox="1"/>
-          <p:nvPr/>
-        </p:nvSpPr>
-        <p:spPr>
-          <a:xfrm>
-            <a:off x="11112245" y="4284345"/>
-            <a:ext cx="575310" cy="574675"/>
-          </a:xfrm>
-          <a:prstGeom prst="rect">
-            <a:avLst/>
-          </a:prstGeom>
-        </p:spPr>
-        <p:txBody>
-          <a:bodyPr vert="horz" wrap="square" lIns="0" tIns="12700" rIns="0" bIns="0" rtlCol="0">
-            <a:spAutoFit/>
-          </a:bodyPr>
-          <a:lstStyle/>
-          <a:p>
-            <a:pPr marR="5080" algn="r">
-              <a:lnSpc>
-                <a:spcPct val="100000"/>
-              </a:lnSpc>
-              <a:spcBef>
-                <a:spcPts val="100"/>
-              </a:spcBef>
-            </a:pPr>
-            <a:r>
-              <a:rPr sz="1800" dirty="0">
-                <a:latin typeface="Calibri Light"/>
-                <a:cs typeface="Calibri Light"/>
-              </a:rPr>
-              <a:t>desee</a:t>
-            </a:r>
-            <a:endParaRPr sz="1800">
-              <a:latin typeface="Calibri Light"/>
-              <a:cs typeface="Calibri Light"/>
-            </a:endParaRPr>
-          </a:p>
-          <a:p>
-            <a:pPr marR="6985" algn="r">
-              <a:lnSpc>
-                <a:spcPct val="100000"/>
-              </a:lnSpc>
-            </a:pPr>
-            <a:r>
-              <a:rPr sz="1800" dirty="0">
-                <a:latin typeface="Calibri Light"/>
-                <a:cs typeface="Calibri Light"/>
-              </a:rPr>
-              <a:t>la</a:t>
-            </a:r>
-            <a:endParaRPr sz="1800">
-              <a:latin typeface="Calibri Light"/>
-              <a:cs typeface="Calibri Light"/>
-            </a:endParaRPr>
-          </a:p>
-        </p:txBody>
-      </p:sp>
-      <p:sp>
-        <p:nvSpPr>
-          <p:cNvPr id="16" name="object 16"/>
-          <p:cNvSpPr txBox="1"/>
-          <p:nvPr/>
-        </p:nvSpPr>
-        <p:spPr>
-          <a:xfrm>
-            <a:off x="8762110" y="4558347"/>
-            <a:ext cx="1456055" cy="574675"/>
-          </a:xfrm>
-          <a:prstGeom prst="rect">
-            <a:avLst/>
-          </a:prstGeom>
-        </p:spPr>
-        <p:txBody>
-          <a:bodyPr vert="horz" wrap="square" lIns="0" tIns="12700" rIns="0" bIns="0" rtlCol="0">
-            <a:spAutoFit/>
-          </a:bodyPr>
-          <a:lstStyle/>
-          <a:p>
-            <a:pPr marL="12700">
-              <a:lnSpc>
-                <a:spcPct val="100000"/>
-              </a:lnSpc>
-              <a:spcBef>
-                <a:spcPts val="100"/>
-              </a:spcBef>
-            </a:pPr>
-            <a:r>
-              <a:rPr sz="1800" spc="-10" dirty="0">
-                <a:latin typeface="Calibri Light"/>
-                <a:cs typeface="Calibri Light"/>
-              </a:rPr>
-              <a:t>crear/actualizar</a:t>
-            </a:r>
-            <a:endParaRPr sz="1800">
-              <a:latin typeface="Calibri Light"/>
-              <a:cs typeface="Calibri Light"/>
-            </a:endParaRPr>
-          </a:p>
-          <a:p>
-            <a:pPr marL="12700">
-              <a:lnSpc>
-                <a:spcPct val="100000"/>
-              </a:lnSpc>
-              <a:spcBef>
-                <a:spcPts val="5"/>
-              </a:spcBef>
-            </a:pPr>
-            <a:r>
-              <a:rPr sz="1800" spc="-10" dirty="0">
-                <a:latin typeface="Calibri Light"/>
-                <a:cs typeface="Calibri Light"/>
-              </a:rPr>
-              <a:t>infraestructura</a:t>
-            </a:r>
-            <a:endParaRPr sz="1800">
-              <a:latin typeface="Calibri Light"/>
-              <a:cs typeface="Calibri Light"/>
-            </a:endParaRPr>
-          </a:p>
-        </p:txBody>
-      </p:sp>
-      <p:sp>
-        <p:nvSpPr>
-          <p:cNvPr id="17" name="object 17"/>
-          <p:cNvSpPr txBox="1"/>
-          <p:nvPr/>
-        </p:nvSpPr>
-        <p:spPr>
-          <a:xfrm>
-            <a:off x="10327005" y="4833239"/>
-            <a:ext cx="1358900" cy="299720"/>
-          </a:xfrm>
-          <a:prstGeom prst="rect">
-            <a:avLst/>
-          </a:prstGeom>
-        </p:spPr>
-        <p:txBody>
-          <a:bodyPr vert="horz" wrap="square" lIns="0" tIns="12700" rIns="0" bIns="0" rtlCol="0">
-            <a:spAutoFit/>
-          </a:bodyPr>
-          <a:lstStyle/>
-          <a:p>
-            <a:pPr marL="12700">
-              <a:lnSpc>
-                <a:spcPct val="100000"/>
-              </a:lnSpc>
-              <a:spcBef>
-                <a:spcPts val="100"/>
-              </a:spcBef>
-            </a:pPr>
-            <a:r>
-              <a:rPr sz="1800" spc="-10" dirty="0">
-                <a:latin typeface="Calibri Light"/>
-                <a:cs typeface="Calibri Light"/>
-              </a:rPr>
-              <a:t>procederemos</a:t>
-            </a:r>
-            <a:endParaRPr sz="1800">
-              <a:latin typeface="Calibri Light"/>
-              <a:cs typeface="Calibri Light"/>
-            </a:endParaRPr>
-          </a:p>
-        </p:txBody>
-      </p:sp>
-      <p:sp>
-        <p:nvSpPr>
-          <p:cNvPr id="18" name="object 18"/>
-          <p:cNvSpPr txBox="1"/>
-          <p:nvPr/>
-        </p:nvSpPr>
-        <p:spPr>
-          <a:xfrm>
-            <a:off x="8762110" y="5107558"/>
-            <a:ext cx="2926080" cy="848994"/>
-          </a:xfrm>
-          <a:prstGeom prst="rect">
-            <a:avLst/>
-          </a:prstGeom>
-        </p:spPr>
-        <p:txBody>
-          <a:bodyPr vert="horz" wrap="square" lIns="0" tIns="12700" rIns="0" bIns="0" rtlCol="0">
-            <a:spAutoFit/>
-          </a:bodyPr>
-          <a:lstStyle/>
-          <a:p>
-            <a:pPr marL="12700" marR="5080" algn="just">
-              <a:lnSpc>
-                <a:spcPct val="100000"/>
-              </a:lnSpc>
-              <a:spcBef>
-                <a:spcPts val="100"/>
-              </a:spcBef>
-            </a:pPr>
-            <a:r>
-              <a:rPr sz="1800" dirty="0">
-                <a:latin typeface="Calibri Light"/>
-                <a:cs typeface="Calibri Light"/>
-              </a:rPr>
-              <a:t>a</a:t>
-            </a:r>
-            <a:r>
-              <a:rPr sz="1800" spc="5" dirty="0">
-                <a:latin typeface="Calibri Light"/>
-                <a:cs typeface="Calibri Light"/>
-              </a:rPr>
-              <a:t> </a:t>
-            </a:r>
-            <a:r>
-              <a:rPr sz="1800" spc="-5" dirty="0">
-                <a:latin typeface="Calibri Light"/>
-                <a:cs typeface="Calibri Light"/>
-              </a:rPr>
-              <a:t>obtener</a:t>
-            </a:r>
-            <a:r>
-              <a:rPr sz="1800" dirty="0">
-                <a:latin typeface="Calibri Light"/>
-                <a:cs typeface="Calibri Light"/>
-              </a:rPr>
-              <a:t> </a:t>
-            </a:r>
-            <a:r>
-              <a:rPr sz="1800" spc="-5" dirty="0">
-                <a:latin typeface="Calibri Light"/>
-                <a:cs typeface="Calibri Light"/>
-              </a:rPr>
-              <a:t>el</a:t>
-            </a:r>
-            <a:r>
-              <a:rPr sz="1800" dirty="0">
-                <a:latin typeface="Calibri Light"/>
-                <a:cs typeface="Calibri Light"/>
-              </a:rPr>
-              <a:t> </a:t>
-            </a:r>
-            <a:r>
-              <a:rPr sz="1800" spc="-10" dirty="0">
-                <a:latin typeface="Calibri Light"/>
-                <a:cs typeface="Calibri Light"/>
-              </a:rPr>
-              <a:t>repositorio</a:t>
-            </a:r>
-            <a:r>
-              <a:rPr sz="1800" spc="-5" dirty="0">
-                <a:latin typeface="Calibri Light"/>
-                <a:cs typeface="Calibri Light"/>
-              </a:rPr>
-              <a:t> </a:t>
-            </a:r>
-            <a:r>
-              <a:rPr sz="1800" dirty="0">
-                <a:latin typeface="Calibri Light"/>
-                <a:cs typeface="Calibri Light"/>
-              </a:rPr>
-              <a:t>del </a:t>
-            </a:r>
-            <a:r>
-              <a:rPr sz="1800" spc="5" dirty="0">
-                <a:latin typeface="Calibri Light"/>
-                <a:cs typeface="Calibri Light"/>
-              </a:rPr>
-              <a:t> </a:t>
-            </a:r>
-            <a:r>
-              <a:rPr sz="1800" spc="-5" dirty="0">
-                <a:latin typeface="Calibri Light"/>
-                <a:cs typeface="Calibri Light"/>
-              </a:rPr>
-              <a:t>pipeline </a:t>
-            </a:r>
-            <a:r>
-              <a:rPr sz="1800" dirty="0">
-                <a:latin typeface="Calibri Light"/>
-                <a:cs typeface="Calibri Light"/>
-              </a:rPr>
-              <a:t>de </a:t>
-            </a:r>
-            <a:r>
-              <a:rPr sz="1800" spc="-15" dirty="0">
-                <a:latin typeface="Calibri Light"/>
-                <a:cs typeface="Calibri Light"/>
-              </a:rPr>
-              <a:t>terraform, </a:t>
-            </a:r>
-            <a:r>
-              <a:rPr sz="1800" dirty="0">
-                <a:latin typeface="Calibri Light"/>
-                <a:cs typeface="Calibri Light"/>
-              </a:rPr>
-              <a:t>luego se </a:t>
-            </a:r>
-            <a:r>
-              <a:rPr sz="1800" spc="5" dirty="0">
-                <a:latin typeface="Calibri Light"/>
-                <a:cs typeface="Calibri Light"/>
-              </a:rPr>
-              <a:t> </a:t>
-            </a:r>
-            <a:r>
-              <a:rPr sz="1800" spc="-15" dirty="0">
-                <a:latin typeface="Calibri Light"/>
-                <a:cs typeface="Calibri Light"/>
-              </a:rPr>
-              <a:t>procederá</a:t>
-            </a:r>
-            <a:r>
-              <a:rPr sz="1800" spc="320" dirty="0">
-                <a:latin typeface="Calibri Light"/>
-                <a:cs typeface="Calibri Light"/>
-              </a:rPr>
-              <a:t> </a:t>
-            </a:r>
-            <a:r>
-              <a:rPr sz="1800" dirty="0">
-                <a:latin typeface="Calibri Light"/>
-                <a:cs typeface="Calibri Light"/>
-              </a:rPr>
-              <a:t>a</a:t>
-            </a:r>
-            <a:r>
-              <a:rPr sz="1800" spc="315" dirty="0">
-                <a:latin typeface="Calibri Light"/>
-                <a:cs typeface="Calibri Light"/>
-              </a:rPr>
-              <a:t> </a:t>
-            </a:r>
-            <a:r>
-              <a:rPr sz="1800" spc="-10" dirty="0">
-                <a:latin typeface="Calibri Light"/>
-                <a:cs typeface="Calibri Light"/>
-              </a:rPr>
-              <a:t>actualizar</a:t>
-            </a:r>
-            <a:r>
-              <a:rPr sz="1800" spc="335" dirty="0">
-                <a:latin typeface="Calibri Light"/>
-                <a:cs typeface="Calibri Light"/>
-              </a:rPr>
-              <a:t> </a:t>
-            </a:r>
-            <a:r>
-              <a:rPr sz="1800" spc="-10" dirty="0">
-                <a:latin typeface="Calibri Light"/>
-                <a:cs typeface="Calibri Light"/>
-              </a:rPr>
-              <a:t>nuestra</a:t>
-            </a:r>
-            <a:endParaRPr sz="1800">
-              <a:latin typeface="Calibri Light"/>
-              <a:cs typeface="Calibri Light"/>
-            </a:endParaRPr>
-          </a:p>
-        </p:txBody>
-      </p:sp>
-      <p:pic>
-        <p:nvPicPr>
-          <p:cNvPr id="19" name="object 19"/>
-          <p:cNvPicPr/>
-          <p:nvPr/>
-        </p:nvPicPr>
-        <p:blipFill>
-          <a:blip r:embed="rId3" cstate="print"/>
-          <a:stretch>
-            <a:fillRect/>
-          </a:stretch>
-        </p:blipFill>
-        <p:spPr>
-          <a:xfrm>
-            <a:off x="0" y="1262380"/>
-            <a:ext cx="7909559" cy="5595618"/>
-          </a:xfrm>
-          <a:prstGeom prst="rect">
-            <a:avLst/>
-          </a:prstGeom>
-        </p:spPr>
-      </p:pic>
-      <p:sp>
-        <p:nvSpPr>
-          <p:cNvPr id="20" name="object 20"/>
-          <p:cNvSpPr txBox="1"/>
-          <p:nvPr/>
-        </p:nvSpPr>
-        <p:spPr>
-          <a:xfrm>
-            <a:off x="8762110" y="5988050"/>
-            <a:ext cx="2251710" cy="254000"/>
-          </a:xfrm>
-          <a:prstGeom prst="rect">
-            <a:avLst/>
-          </a:prstGeom>
-        </p:spPr>
-        <p:txBody>
-          <a:bodyPr vert="horz" wrap="square" lIns="0" tIns="0" rIns="0" bIns="0" rtlCol="0">
-            <a:spAutoFit/>
-          </a:bodyPr>
-          <a:lstStyle/>
-          <a:p>
-            <a:pPr marL="12700">
-              <a:lnSpc>
-                <a:spcPts val="1810"/>
-              </a:lnSpc>
-            </a:pPr>
-            <a:r>
-              <a:rPr sz="1800" spc="-10" dirty="0">
-                <a:latin typeface="Calibri Light"/>
-                <a:cs typeface="Calibri Light"/>
-              </a:rPr>
-              <a:t>estructura </a:t>
-            </a:r>
-            <a:r>
-              <a:rPr sz="1800" dirty="0">
-                <a:latin typeface="Calibri Light"/>
-                <a:cs typeface="Calibri Light"/>
-              </a:rPr>
-              <a:t>de</a:t>
-            </a:r>
-            <a:r>
-              <a:rPr sz="1800" spc="-20" dirty="0">
-                <a:latin typeface="Calibri Light"/>
-                <a:cs typeface="Calibri Light"/>
-              </a:rPr>
-              <a:t> </a:t>
-            </a:r>
-            <a:r>
-              <a:rPr sz="1800" spc="-15" dirty="0">
-                <a:latin typeface="Calibri Light"/>
-                <a:cs typeface="Calibri Light"/>
-              </a:rPr>
-              <a:t>terraform.</a:t>
-            </a:r>
-            <a:endParaRPr sz="1800">
-              <a:latin typeface="Calibri Light"/>
-              <a:cs typeface="Calibri Light"/>
-            </a:endParaRPr>
-          </a:p>
-        </p:txBody>
-      </p:sp>
-      <p:sp>
-        <p:nvSpPr>
-          <p:cNvPr id="21" name="object 21"/>
-          <p:cNvSpPr txBox="1"/>
-          <p:nvPr/>
-        </p:nvSpPr>
-        <p:spPr>
-          <a:xfrm>
-            <a:off x="69214" y="6374209"/>
-            <a:ext cx="2404110" cy="254635"/>
-          </a:xfrm>
-          <a:prstGeom prst="rect">
-            <a:avLst/>
-          </a:prstGeom>
-        </p:spPr>
-        <p:txBody>
-          <a:bodyPr vert="horz" wrap="square" lIns="0" tIns="0" rIns="0" bIns="0" rtlCol="0">
-            <a:spAutoFit/>
-          </a:bodyPr>
-          <a:lstStyle/>
-          <a:p>
-            <a:pPr marL="12700">
-              <a:lnSpc>
-                <a:spcPts val="1810"/>
-              </a:lnSpc>
-            </a:pPr>
-            <a:r>
-              <a:rPr sz="1800" spc="-5" dirty="0">
-                <a:latin typeface="Calibri Light"/>
-                <a:cs typeface="Calibri Light"/>
-              </a:rPr>
-              <a:t>https://app.diagrams.net/</a:t>
-            </a:r>
-            <a:endParaRPr sz="1800">
-              <a:latin typeface="Calibri Light"/>
-              <a:cs typeface="Calibri Light"/>
-            </a:endParaRPr>
-          </a:p>
-        </p:txBody>
-      </p:sp>
-    </p:spTree>
-  </p:cSld>
-  <p:clrMapOvr>
-    <a:masterClrMapping/>
-  </p:clrMapOvr>
-</p:sld>
-</file>
-
-<file path=ppt/slides/slide28.xml><?xml version="1.0" encoding="utf-8"?>
-<p:sld xmlns:a="http://schemas.openxmlformats.org/drawingml/2006/main" xmlns:r="http://schemas.openxmlformats.org/officeDocument/2006/relationships" xmlns:p="http://schemas.openxmlformats.org/presentationml/2006/main" showMasterSp="0">
-  <p:cSld>
-    <p:spTree>
-      <p:nvGrpSpPr>
-        <p:cNvPr id="1" name=""/>
-        <p:cNvGrpSpPr/>
-        <p:nvPr/>
-      </p:nvGrpSpPr>
-      <p:grpSpPr>
-        <a:xfrm>
-          <a:off x="0" y="0"/>
-          <a:ext cx="0" cy="0"/>
-          <a:chOff x="0" y="0"/>
-          <a:chExt cx="0" cy="0"/>
-        </a:xfrm>
-      </p:grpSpPr>
       <p:sp>
         <p:nvSpPr>
           <p:cNvPr id="2" name="object 2"/>
